--- a/public/img/hexsticker.pptx
+++ b/public/img/hexsticker.pptx
@@ -6,6 +6,7 @@
   </p:sldMasterIdLst>
   <p:sldIdLst>
     <p:sldId id="256" r:id="rId3"/>
+    <p:sldId id="257" r:id="rId4"/>
   </p:sldIdLst>
   <p:sldSz cx="12192000" cy="6858000"/>
   <p:notesSz cx="7772400" cy="10058400"/>
@@ -53,7 +54,7 @@
       </p:grpSpPr>
       <p:sp>
         <p:nvSpPr>
-          <p:cNvPr id="22" name="PlaceHolder 1"/>
+          <p:cNvPr id="23" name="PlaceHolder 1"/>
           <p:cNvSpPr>
             <a:spLocks noGrp="1"/>
           </p:cNvSpPr>
@@ -63,8 +64,8 @@
         </p:nvSpPr>
         <p:spPr>
           <a:xfrm>
-            <a:off x="1523880" y="1122480"/>
-            <a:ext cx="9143280" cy="2386800"/>
+            <a:off x="609480" y="273600"/>
+            <a:ext cx="10972440" cy="1144800"/>
           </a:xfrm>
           <a:prstGeom prst="rect">
             <a:avLst/>
@@ -75,22 +76,14 @@
           <a:p>
             <a:pPr algn="ctr"/>
             <a:endParaRPr b="0" lang="es-CL" sz="4400" spc="-1" strike="noStrike">
-              <a:solidFill>
-                <a:srgbClr val="000000"/>
-              </a:solidFill>
-              <a:uFill>
-                <a:solidFill>
-                  <a:srgbClr val="ffffff"/>
-                </a:solidFill>
-              </a:uFill>
-              <a:latin typeface="Arial"/>
-            </a:endParaRPr>
-          </a:p>
-        </p:txBody>
-      </p:sp>
-      <p:sp>
-        <p:nvSpPr>
-          <p:cNvPr id="23" name="PlaceHolder 2"/>
+              <a:latin typeface="Arial"/>
+            </a:endParaRPr>
+          </a:p>
+        </p:txBody>
+      </p:sp>
+      <p:sp>
+        <p:nvSpPr>
+          <p:cNvPr id="24" name="PlaceHolder 2"/>
           <p:cNvSpPr>
             <a:spLocks noGrp="1"/>
           </p:cNvSpPr>
@@ -108,25 +101,19 @@
           </a:prstGeom>
         </p:spPr>
         <p:txBody>
-          <a:bodyPr lIns="0" rIns="0" tIns="0" bIns="0"/>
+          <a:bodyPr lIns="0" rIns="0" tIns="0" bIns="0">
+            <a:normAutofit/>
+          </a:bodyPr>
           <a:p>
             <a:endParaRPr b="0" lang="es-CL" sz="3200" spc="-1" strike="noStrike">
-              <a:solidFill>
-                <a:srgbClr val="000000"/>
-              </a:solidFill>
-              <a:uFill>
-                <a:solidFill>
-                  <a:srgbClr val="ffffff"/>
-                </a:solidFill>
-              </a:uFill>
-              <a:latin typeface="Arial"/>
-            </a:endParaRPr>
-          </a:p>
-        </p:txBody>
-      </p:sp>
-      <p:sp>
-        <p:nvSpPr>
-          <p:cNvPr id="24" name="PlaceHolder 3"/>
+              <a:latin typeface="Arial"/>
+            </a:endParaRPr>
+          </a:p>
+        </p:txBody>
+      </p:sp>
+      <p:sp>
+        <p:nvSpPr>
+          <p:cNvPr id="25" name="PlaceHolder 3"/>
           <p:cNvSpPr>
             <a:spLocks noGrp="1"/>
           </p:cNvSpPr>
@@ -144,17 +131,11 @@
           </a:prstGeom>
         </p:spPr>
         <p:txBody>
-          <a:bodyPr lIns="0" rIns="0" tIns="0" bIns="0"/>
+          <a:bodyPr lIns="0" rIns="0" tIns="0" bIns="0">
+            <a:normAutofit/>
+          </a:bodyPr>
           <a:p>
             <a:endParaRPr b="0" lang="es-CL" sz="3200" spc="-1" strike="noStrike">
-              <a:solidFill>
-                <a:srgbClr val="000000"/>
-              </a:solidFill>
-              <a:uFill>
-                <a:solidFill>
-                  <a:srgbClr val="ffffff"/>
-                </a:solidFill>
-              </a:uFill>
               <a:latin typeface="Arial"/>
             </a:endParaRPr>
           </a:p>
@@ -184,7 +165,7 @@
       </p:grpSpPr>
       <p:sp>
         <p:nvSpPr>
-          <p:cNvPr id="25" name="PlaceHolder 1"/>
+          <p:cNvPr id="26" name="PlaceHolder 1"/>
           <p:cNvSpPr>
             <a:spLocks noGrp="1"/>
           </p:cNvSpPr>
@@ -194,8 +175,8 @@
         </p:nvSpPr>
         <p:spPr>
           <a:xfrm>
-            <a:off x="1523880" y="1122480"/>
-            <a:ext cx="9143280" cy="2386800"/>
+            <a:off x="609480" y="273600"/>
+            <a:ext cx="10972440" cy="1144800"/>
           </a:xfrm>
           <a:prstGeom prst="rect">
             <a:avLst/>
@@ -206,22 +187,14 @@
           <a:p>
             <a:pPr algn="ctr"/>
             <a:endParaRPr b="0" lang="es-CL" sz="4400" spc="-1" strike="noStrike">
-              <a:solidFill>
-                <a:srgbClr val="000000"/>
-              </a:solidFill>
-              <a:uFill>
-                <a:solidFill>
-                  <a:srgbClr val="ffffff"/>
-                </a:solidFill>
-              </a:uFill>
-              <a:latin typeface="Arial"/>
-            </a:endParaRPr>
-          </a:p>
-        </p:txBody>
-      </p:sp>
-      <p:sp>
-        <p:nvSpPr>
-          <p:cNvPr id="26" name="PlaceHolder 2"/>
+              <a:latin typeface="Arial"/>
+            </a:endParaRPr>
+          </a:p>
+        </p:txBody>
+      </p:sp>
+      <p:sp>
+        <p:nvSpPr>
+          <p:cNvPr id="27" name="PlaceHolder 2"/>
           <p:cNvSpPr>
             <a:spLocks noGrp="1"/>
           </p:cNvSpPr>
@@ -239,25 +212,19 @@
           </a:prstGeom>
         </p:spPr>
         <p:txBody>
-          <a:bodyPr lIns="0" rIns="0" tIns="0" bIns="0"/>
+          <a:bodyPr lIns="0" rIns="0" tIns="0" bIns="0">
+            <a:normAutofit/>
+          </a:bodyPr>
           <a:p>
             <a:endParaRPr b="0" lang="es-CL" sz="3200" spc="-1" strike="noStrike">
-              <a:solidFill>
-                <a:srgbClr val="000000"/>
-              </a:solidFill>
-              <a:uFill>
-                <a:solidFill>
-                  <a:srgbClr val="ffffff"/>
-                </a:solidFill>
-              </a:uFill>
-              <a:latin typeface="Arial"/>
-            </a:endParaRPr>
-          </a:p>
-        </p:txBody>
-      </p:sp>
-      <p:sp>
-        <p:nvSpPr>
-          <p:cNvPr id="27" name="PlaceHolder 3"/>
+              <a:latin typeface="Arial"/>
+            </a:endParaRPr>
+          </a:p>
+        </p:txBody>
+      </p:sp>
+      <p:sp>
+        <p:nvSpPr>
+          <p:cNvPr id="28" name="PlaceHolder 3"/>
           <p:cNvSpPr>
             <a:spLocks noGrp="1"/>
           </p:cNvSpPr>
@@ -275,25 +242,49 @@
           </a:prstGeom>
         </p:spPr>
         <p:txBody>
-          <a:bodyPr lIns="0" rIns="0" tIns="0" bIns="0"/>
+          <a:bodyPr lIns="0" rIns="0" tIns="0" bIns="0">
+            <a:normAutofit/>
+          </a:bodyPr>
           <a:p>
             <a:endParaRPr b="0" lang="es-CL" sz="3200" spc="-1" strike="noStrike">
-              <a:solidFill>
-                <a:srgbClr val="000000"/>
-              </a:solidFill>
-              <a:uFill>
-                <a:solidFill>
-                  <a:srgbClr val="ffffff"/>
-                </a:solidFill>
-              </a:uFill>
-              <a:latin typeface="Arial"/>
-            </a:endParaRPr>
-          </a:p>
-        </p:txBody>
-      </p:sp>
-      <p:sp>
-        <p:nvSpPr>
-          <p:cNvPr id="28" name="PlaceHolder 4"/>
+              <a:latin typeface="Arial"/>
+            </a:endParaRPr>
+          </a:p>
+        </p:txBody>
+      </p:sp>
+      <p:sp>
+        <p:nvSpPr>
+          <p:cNvPr id="29" name="PlaceHolder 4"/>
+          <p:cNvSpPr>
+            <a:spLocks noGrp="1"/>
+          </p:cNvSpPr>
+          <p:nvPr>
+            <p:ph type="body"/>
+          </p:nvPr>
+        </p:nvSpPr>
+        <p:spPr>
+          <a:xfrm>
+            <a:off x="609480" y="3682080"/>
+            <a:ext cx="5354280" cy="1896840"/>
+          </a:xfrm>
+          <a:prstGeom prst="rect">
+            <a:avLst/>
+          </a:prstGeom>
+        </p:spPr>
+        <p:txBody>
+          <a:bodyPr lIns="0" rIns="0" tIns="0" bIns="0">
+            <a:normAutofit/>
+          </a:bodyPr>
+          <a:p>
+            <a:endParaRPr b="0" lang="es-CL" sz="3200" spc="-1" strike="noStrike">
+              <a:latin typeface="Arial"/>
+            </a:endParaRPr>
+          </a:p>
+        </p:txBody>
+      </p:sp>
+      <p:sp>
+        <p:nvSpPr>
+          <p:cNvPr id="30" name="PlaceHolder 5"/>
           <p:cNvSpPr>
             <a:spLocks noGrp="1"/>
           </p:cNvSpPr>
@@ -311,53 +302,11 @@
           </a:prstGeom>
         </p:spPr>
         <p:txBody>
-          <a:bodyPr lIns="0" rIns="0" tIns="0" bIns="0"/>
+          <a:bodyPr lIns="0" rIns="0" tIns="0" bIns="0">
+            <a:normAutofit/>
+          </a:bodyPr>
           <a:p>
             <a:endParaRPr b="0" lang="es-CL" sz="3200" spc="-1" strike="noStrike">
-              <a:solidFill>
-                <a:srgbClr val="000000"/>
-              </a:solidFill>
-              <a:uFill>
-                <a:solidFill>
-                  <a:srgbClr val="ffffff"/>
-                </a:solidFill>
-              </a:uFill>
-              <a:latin typeface="Arial"/>
-            </a:endParaRPr>
-          </a:p>
-        </p:txBody>
-      </p:sp>
-      <p:sp>
-        <p:nvSpPr>
-          <p:cNvPr id="29" name="PlaceHolder 5"/>
-          <p:cNvSpPr>
-            <a:spLocks noGrp="1"/>
-          </p:cNvSpPr>
-          <p:nvPr>
-            <p:ph type="body"/>
-          </p:nvPr>
-        </p:nvSpPr>
-        <p:spPr>
-          <a:xfrm>
-            <a:off x="609480" y="3682080"/>
-            <a:ext cx="5354280" cy="1896840"/>
-          </a:xfrm>
-          <a:prstGeom prst="rect">
-            <a:avLst/>
-          </a:prstGeom>
-        </p:spPr>
-        <p:txBody>
-          <a:bodyPr lIns="0" rIns="0" tIns="0" bIns="0"/>
-          <a:p>
-            <a:endParaRPr b="0" lang="es-CL" sz="3200" spc="-1" strike="noStrike">
-              <a:solidFill>
-                <a:srgbClr val="000000"/>
-              </a:solidFill>
-              <a:uFill>
-                <a:solidFill>
-                  <a:srgbClr val="ffffff"/>
-                </a:solidFill>
-              </a:uFill>
               <a:latin typeface="Arial"/>
             </a:endParaRPr>
           </a:p>
@@ -387,7 +336,7 @@
       </p:grpSpPr>
       <p:sp>
         <p:nvSpPr>
-          <p:cNvPr id="30" name="PlaceHolder 1"/>
+          <p:cNvPr id="31" name="PlaceHolder 1"/>
           <p:cNvSpPr>
             <a:spLocks noGrp="1"/>
           </p:cNvSpPr>
@@ -397,8 +346,8 @@
         </p:nvSpPr>
         <p:spPr>
           <a:xfrm>
-            <a:off x="1523880" y="1122480"/>
-            <a:ext cx="9143280" cy="2386800"/>
+            <a:off x="609480" y="273600"/>
+            <a:ext cx="10972440" cy="1144800"/>
           </a:xfrm>
           <a:prstGeom prst="rect">
             <a:avLst/>
@@ -409,22 +358,14 @@
           <a:p>
             <a:pPr algn="ctr"/>
             <a:endParaRPr b="0" lang="es-CL" sz="4400" spc="-1" strike="noStrike">
-              <a:solidFill>
-                <a:srgbClr val="000000"/>
-              </a:solidFill>
-              <a:uFill>
-                <a:solidFill>
-                  <a:srgbClr val="ffffff"/>
-                </a:solidFill>
-              </a:uFill>
-              <a:latin typeface="Arial"/>
-            </a:endParaRPr>
-          </a:p>
-        </p:txBody>
-      </p:sp>
-      <p:sp>
-        <p:nvSpPr>
-          <p:cNvPr id="31" name="PlaceHolder 2"/>
+              <a:latin typeface="Arial"/>
+            </a:endParaRPr>
+          </a:p>
+        </p:txBody>
+      </p:sp>
+      <p:sp>
+        <p:nvSpPr>
+          <p:cNvPr id="32" name="PlaceHolder 2"/>
           <p:cNvSpPr>
             <a:spLocks noGrp="1"/>
           </p:cNvSpPr>
@@ -435,32 +376,26 @@
         <p:spPr>
           <a:xfrm>
             <a:off x="609480" y="1604520"/>
-            <a:ext cx="10972440" cy="3977280"/>
-          </a:xfrm>
-          <a:prstGeom prst="rect">
-            <a:avLst/>
-          </a:prstGeom>
-        </p:spPr>
-        <p:txBody>
-          <a:bodyPr lIns="0" rIns="0" tIns="0" bIns="0"/>
+            <a:ext cx="3533040" cy="1896840"/>
+          </a:xfrm>
+          <a:prstGeom prst="rect">
+            <a:avLst/>
+          </a:prstGeom>
+        </p:spPr>
+        <p:txBody>
+          <a:bodyPr lIns="0" rIns="0" tIns="0" bIns="0">
+            <a:normAutofit/>
+          </a:bodyPr>
           <a:p>
             <a:endParaRPr b="0" lang="es-CL" sz="3200" spc="-1" strike="noStrike">
-              <a:solidFill>
-                <a:srgbClr val="000000"/>
-              </a:solidFill>
-              <a:uFill>
-                <a:solidFill>
-                  <a:srgbClr val="ffffff"/>
-                </a:solidFill>
-              </a:uFill>
-              <a:latin typeface="Arial"/>
-            </a:endParaRPr>
-          </a:p>
-        </p:txBody>
-      </p:sp>
-      <p:sp>
-        <p:nvSpPr>
-          <p:cNvPr id="32" name="PlaceHolder 3"/>
+              <a:latin typeface="Arial"/>
+            </a:endParaRPr>
+          </a:p>
+        </p:txBody>
+      </p:sp>
+      <p:sp>
+        <p:nvSpPr>
+          <p:cNvPr id="33" name="PlaceHolder 3"/>
           <p:cNvSpPr>
             <a:spLocks noGrp="1"/>
           </p:cNvSpPr>
@@ -470,76 +405,144 @@
         </p:nvSpPr>
         <p:spPr>
           <a:xfrm>
-            <a:off x="609480" y="1604520"/>
-            <a:ext cx="10972440" cy="3977280"/>
-          </a:xfrm>
-          <a:prstGeom prst="rect">
-            <a:avLst/>
-          </a:prstGeom>
-        </p:spPr>
-        <p:txBody>
-          <a:bodyPr lIns="0" rIns="0" tIns="0" bIns="0"/>
+            <a:off x="4319640" y="1604520"/>
+            <a:ext cx="3533040" cy="1896840"/>
+          </a:xfrm>
+          <a:prstGeom prst="rect">
+            <a:avLst/>
+          </a:prstGeom>
+        </p:spPr>
+        <p:txBody>
+          <a:bodyPr lIns="0" rIns="0" tIns="0" bIns="0">
+            <a:normAutofit/>
+          </a:bodyPr>
           <a:p>
             <a:endParaRPr b="0" lang="es-CL" sz="3200" spc="-1" strike="noStrike">
-              <a:solidFill>
-                <a:srgbClr val="000000"/>
-              </a:solidFill>
-              <a:uFill>
-                <a:solidFill>
-                  <a:srgbClr val="ffffff"/>
-                </a:solidFill>
-              </a:uFill>
-              <a:latin typeface="Arial"/>
-            </a:endParaRPr>
-          </a:p>
-        </p:txBody>
-      </p:sp>
-      <p:pic>
-        <p:nvPicPr>
-          <p:cNvPr id="33" name="" descr=""/>
-          <p:cNvPicPr/>
-          <p:nvPr/>
-        </p:nvPicPr>
-        <p:blipFill>
-          <a:blip r:embed="rId2"/>
-          <a:stretch/>
-        </p:blipFill>
-        <p:spPr>
-          <a:xfrm>
-            <a:off x="3602880" y="1604520"/>
-            <a:ext cx="4984920" cy="3977280"/>
-          </a:xfrm>
-          <a:prstGeom prst="rect">
-            <a:avLst/>
-          </a:prstGeom>
-          <a:ln>
-            <a:noFill/>
-          </a:ln>
-        </p:spPr>
-      </p:pic>
-      <p:pic>
-        <p:nvPicPr>
-          <p:cNvPr id="34" name="" descr=""/>
-          <p:cNvPicPr/>
-          <p:nvPr/>
-        </p:nvPicPr>
-        <p:blipFill>
-          <a:blip r:embed="rId3"/>
-          <a:stretch/>
-        </p:blipFill>
-        <p:spPr>
-          <a:xfrm>
-            <a:off x="3602880" y="1604520"/>
-            <a:ext cx="4984920" cy="3977280"/>
-          </a:xfrm>
-          <a:prstGeom prst="rect">
-            <a:avLst/>
-          </a:prstGeom>
-          <a:ln>
-            <a:noFill/>
-          </a:ln>
-        </p:spPr>
-      </p:pic>
+              <a:latin typeface="Arial"/>
+            </a:endParaRPr>
+          </a:p>
+        </p:txBody>
+      </p:sp>
+      <p:sp>
+        <p:nvSpPr>
+          <p:cNvPr id="34" name="PlaceHolder 4"/>
+          <p:cNvSpPr>
+            <a:spLocks noGrp="1"/>
+          </p:cNvSpPr>
+          <p:nvPr>
+            <p:ph type="body"/>
+          </p:nvPr>
+        </p:nvSpPr>
+        <p:spPr>
+          <a:xfrm>
+            <a:off x="8029800" y="1604520"/>
+            <a:ext cx="3533040" cy="1896840"/>
+          </a:xfrm>
+          <a:prstGeom prst="rect">
+            <a:avLst/>
+          </a:prstGeom>
+        </p:spPr>
+        <p:txBody>
+          <a:bodyPr lIns="0" rIns="0" tIns="0" bIns="0">
+            <a:normAutofit/>
+          </a:bodyPr>
+          <a:p>
+            <a:endParaRPr b="0" lang="es-CL" sz="3200" spc="-1" strike="noStrike">
+              <a:latin typeface="Arial"/>
+            </a:endParaRPr>
+          </a:p>
+        </p:txBody>
+      </p:sp>
+      <p:sp>
+        <p:nvSpPr>
+          <p:cNvPr id="35" name="PlaceHolder 5"/>
+          <p:cNvSpPr>
+            <a:spLocks noGrp="1"/>
+          </p:cNvSpPr>
+          <p:nvPr>
+            <p:ph type="body"/>
+          </p:nvPr>
+        </p:nvSpPr>
+        <p:spPr>
+          <a:xfrm>
+            <a:off x="609480" y="3682080"/>
+            <a:ext cx="3533040" cy="1896840"/>
+          </a:xfrm>
+          <a:prstGeom prst="rect">
+            <a:avLst/>
+          </a:prstGeom>
+        </p:spPr>
+        <p:txBody>
+          <a:bodyPr lIns="0" rIns="0" tIns="0" bIns="0">
+            <a:normAutofit/>
+          </a:bodyPr>
+          <a:p>
+            <a:endParaRPr b="0" lang="es-CL" sz="3200" spc="-1" strike="noStrike">
+              <a:latin typeface="Arial"/>
+            </a:endParaRPr>
+          </a:p>
+        </p:txBody>
+      </p:sp>
+      <p:sp>
+        <p:nvSpPr>
+          <p:cNvPr id="36" name="PlaceHolder 6"/>
+          <p:cNvSpPr>
+            <a:spLocks noGrp="1"/>
+          </p:cNvSpPr>
+          <p:nvPr>
+            <p:ph type="body"/>
+          </p:nvPr>
+        </p:nvSpPr>
+        <p:spPr>
+          <a:xfrm>
+            <a:off x="4319640" y="3682080"/>
+            <a:ext cx="3533040" cy="1896840"/>
+          </a:xfrm>
+          <a:prstGeom prst="rect">
+            <a:avLst/>
+          </a:prstGeom>
+        </p:spPr>
+        <p:txBody>
+          <a:bodyPr lIns="0" rIns="0" tIns="0" bIns="0">
+            <a:normAutofit/>
+          </a:bodyPr>
+          <a:p>
+            <a:endParaRPr b="0" lang="es-CL" sz="3200" spc="-1" strike="noStrike">
+              <a:latin typeface="Arial"/>
+            </a:endParaRPr>
+          </a:p>
+        </p:txBody>
+      </p:sp>
+      <p:sp>
+        <p:nvSpPr>
+          <p:cNvPr id="37" name="PlaceHolder 7"/>
+          <p:cNvSpPr>
+            <a:spLocks noGrp="1"/>
+          </p:cNvSpPr>
+          <p:nvPr>
+            <p:ph type="body"/>
+          </p:nvPr>
+        </p:nvSpPr>
+        <p:spPr>
+          <a:xfrm>
+            <a:off x="8029800" y="3682080"/>
+            <a:ext cx="3533040" cy="1896840"/>
+          </a:xfrm>
+          <a:prstGeom prst="rect">
+            <a:avLst/>
+          </a:prstGeom>
+        </p:spPr>
+        <p:txBody>
+          <a:bodyPr lIns="0" rIns="0" tIns="0" bIns="0">
+            <a:normAutofit/>
+          </a:bodyPr>
+          <a:p>
+            <a:endParaRPr b="0" lang="es-CL" sz="3200" spc="-1" strike="noStrike">
+              <a:latin typeface="Arial"/>
+            </a:endParaRPr>
+          </a:p>
+        </p:txBody>
+      </p:sp>
     </p:spTree>
   </p:cSld>
 </p:sldLayout>
@@ -564,7 +567,7 @@
       </p:grpSpPr>
       <p:sp>
         <p:nvSpPr>
-          <p:cNvPr id="1" name="PlaceHolder 1"/>
+          <p:cNvPr id="2" name="PlaceHolder 1"/>
           <p:cNvSpPr>
             <a:spLocks noGrp="1"/>
           </p:cNvSpPr>
@@ -574,8 +577,8 @@
         </p:nvSpPr>
         <p:spPr>
           <a:xfrm>
-            <a:off x="1523880" y="1122480"/>
-            <a:ext cx="9143280" cy="2386800"/>
+            <a:off x="609480" y="273600"/>
+            <a:ext cx="10972440" cy="1144800"/>
           </a:xfrm>
           <a:prstGeom prst="rect">
             <a:avLst/>
@@ -586,22 +589,14 @@
           <a:p>
             <a:pPr algn="ctr"/>
             <a:endParaRPr b="0" lang="es-CL" sz="4400" spc="-1" strike="noStrike">
-              <a:solidFill>
-                <a:srgbClr val="000000"/>
-              </a:solidFill>
-              <a:uFill>
-                <a:solidFill>
-                  <a:srgbClr val="ffffff"/>
-                </a:solidFill>
-              </a:uFill>
-              <a:latin typeface="Arial"/>
-            </a:endParaRPr>
-          </a:p>
-        </p:txBody>
-      </p:sp>
-      <p:sp>
-        <p:nvSpPr>
-          <p:cNvPr id="2" name="PlaceHolder 2"/>
+              <a:latin typeface="Arial"/>
+            </a:endParaRPr>
+          </a:p>
+        </p:txBody>
+      </p:sp>
+      <p:sp>
+        <p:nvSpPr>
+          <p:cNvPr id="3" name="PlaceHolder 2"/>
           <p:cNvSpPr>
             <a:spLocks noGrp="1"/>
           </p:cNvSpPr>
@@ -623,14 +618,6 @@
           <a:p>
             <a:pPr algn="ctr"/>
             <a:endParaRPr b="0" lang="es-CL" sz="3200" spc="-1" strike="noStrike">
-              <a:solidFill>
-                <a:srgbClr val="000000"/>
-              </a:solidFill>
-              <a:uFill>
-                <a:solidFill>
-                  <a:srgbClr val="ffffff"/>
-                </a:solidFill>
-              </a:uFill>
               <a:latin typeface="Arial"/>
             </a:endParaRPr>
           </a:p>
@@ -660,7 +647,7 @@
       </p:grpSpPr>
       <p:sp>
         <p:nvSpPr>
-          <p:cNvPr id="3" name="PlaceHolder 1"/>
+          <p:cNvPr id="4" name="PlaceHolder 1"/>
           <p:cNvSpPr>
             <a:spLocks noGrp="1"/>
           </p:cNvSpPr>
@@ -670,8 +657,8 @@
         </p:nvSpPr>
         <p:spPr>
           <a:xfrm>
-            <a:off x="1523880" y="1122480"/>
-            <a:ext cx="9143280" cy="2386800"/>
+            <a:off x="609480" y="273600"/>
+            <a:ext cx="10972440" cy="1144800"/>
           </a:xfrm>
           <a:prstGeom prst="rect">
             <a:avLst/>
@@ -682,22 +669,14 @@
           <a:p>
             <a:pPr algn="ctr"/>
             <a:endParaRPr b="0" lang="es-CL" sz="4400" spc="-1" strike="noStrike">
-              <a:solidFill>
-                <a:srgbClr val="000000"/>
-              </a:solidFill>
-              <a:uFill>
-                <a:solidFill>
-                  <a:srgbClr val="ffffff"/>
-                </a:solidFill>
-              </a:uFill>
-              <a:latin typeface="Arial"/>
-            </a:endParaRPr>
-          </a:p>
-        </p:txBody>
-      </p:sp>
-      <p:sp>
-        <p:nvSpPr>
-          <p:cNvPr id="4" name="PlaceHolder 2"/>
+              <a:latin typeface="Arial"/>
+            </a:endParaRPr>
+          </a:p>
+        </p:txBody>
+      </p:sp>
+      <p:sp>
+        <p:nvSpPr>
+          <p:cNvPr id="5" name="PlaceHolder 2"/>
           <p:cNvSpPr>
             <a:spLocks noGrp="1"/>
           </p:cNvSpPr>
@@ -715,17 +694,11 @@
           </a:prstGeom>
         </p:spPr>
         <p:txBody>
-          <a:bodyPr lIns="0" rIns="0" tIns="0" bIns="0"/>
+          <a:bodyPr lIns="0" rIns="0" tIns="0" bIns="0">
+            <a:normAutofit/>
+          </a:bodyPr>
           <a:p>
             <a:endParaRPr b="0" lang="es-CL" sz="3200" spc="-1" strike="noStrike">
-              <a:solidFill>
-                <a:srgbClr val="000000"/>
-              </a:solidFill>
-              <a:uFill>
-                <a:solidFill>
-                  <a:srgbClr val="ffffff"/>
-                </a:solidFill>
-              </a:uFill>
               <a:latin typeface="Arial"/>
             </a:endParaRPr>
           </a:p>
@@ -755,7 +728,7 @@
       </p:grpSpPr>
       <p:sp>
         <p:nvSpPr>
-          <p:cNvPr id="5" name="PlaceHolder 1"/>
+          <p:cNvPr id="6" name="PlaceHolder 1"/>
           <p:cNvSpPr>
             <a:spLocks noGrp="1"/>
           </p:cNvSpPr>
@@ -765,8 +738,8 @@
         </p:nvSpPr>
         <p:spPr>
           <a:xfrm>
-            <a:off x="1523880" y="1122480"/>
-            <a:ext cx="9143280" cy="2386800"/>
+            <a:off x="609480" y="273600"/>
+            <a:ext cx="10972440" cy="1144800"/>
           </a:xfrm>
           <a:prstGeom prst="rect">
             <a:avLst/>
@@ -777,22 +750,14 @@
           <a:p>
             <a:pPr algn="ctr"/>
             <a:endParaRPr b="0" lang="es-CL" sz="4400" spc="-1" strike="noStrike">
-              <a:solidFill>
-                <a:srgbClr val="000000"/>
-              </a:solidFill>
-              <a:uFill>
-                <a:solidFill>
-                  <a:srgbClr val="ffffff"/>
-                </a:solidFill>
-              </a:uFill>
-              <a:latin typeface="Arial"/>
-            </a:endParaRPr>
-          </a:p>
-        </p:txBody>
-      </p:sp>
-      <p:sp>
-        <p:nvSpPr>
-          <p:cNvPr id="6" name="PlaceHolder 2"/>
+              <a:latin typeface="Arial"/>
+            </a:endParaRPr>
+          </a:p>
+        </p:txBody>
+      </p:sp>
+      <p:sp>
+        <p:nvSpPr>
+          <p:cNvPr id="7" name="PlaceHolder 2"/>
           <p:cNvSpPr>
             <a:spLocks noGrp="1"/>
           </p:cNvSpPr>
@@ -810,25 +775,19 @@
           </a:prstGeom>
         </p:spPr>
         <p:txBody>
-          <a:bodyPr lIns="0" rIns="0" tIns="0" bIns="0"/>
+          <a:bodyPr lIns="0" rIns="0" tIns="0" bIns="0">
+            <a:normAutofit/>
+          </a:bodyPr>
           <a:p>
             <a:endParaRPr b="0" lang="es-CL" sz="3200" spc="-1" strike="noStrike">
-              <a:solidFill>
-                <a:srgbClr val="000000"/>
-              </a:solidFill>
-              <a:uFill>
-                <a:solidFill>
-                  <a:srgbClr val="ffffff"/>
-                </a:solidFill>
-              </a:uFill>
-              <a:latin typeface="Arial"/>
-            </a:endParaRPr>
-          </a:p>
-        </p:txBody>
-      </p:sp>
-      <p:sp>
-        <p:nvSpPr>
-          <p:cNvPr id="7" name="PlaceHolder 3"/>
+              <a:latin typeface="Arial"/>
+            </a:endParaRPr>
+          </a:p>
+        </p:txBody>
+      </p:sp>
+      <p:sp>
+        <p:nvSpPr>
+          <p:cNvPr id="8" name="PlaceHolder 3"/>
           <p:cNvSpPr>
             <a:spLocks noGrp="1"/>
           </p:cNvSpPr>
@@ -846,17 +805,11 @@
           </a:prstGeom>
         </p:spPr>
         <p:txBody>
-          <a:bodyPr lIns="0" rIns="0" tIns="0" bIns="0"/>
+          <a:bodyPr lIns="0" rIns="0" tIns="0" bIns="0">
+            <a:normAutofit/>
+          </a:bodyPr>
           <a:p>
             <a:endParaRPr b="0" lang="es-CL" sz="3200" spc="-1" strike="noStrike">
-              <a:solidFill>
-                <a:srgbClr val="000000"/>
-              </a:solidFill>
-              <a:uFill>
-                <a:solidFill>
-                  <a:srgbClr val="ffffff"/>
-                </a:solidFill>
-              </a:uFill>
               <a:latin typeface="Arial"/>
             </a:endParaRPr>
           </a:p>
@@ -886,7 +839,7 @@
       </p:grpSpPr>
       <p:sp>
         <p:nvSpPr>
-          <p:cNvPr id="8" name="PlaceHolder 1"/>
+          <p:cNvPr id="9" name="PlaceHolder 1"/>
           <p:cNvSpPr>
             <a:spLocks noGrp="1"/>
           </p:cNvSpPr>
@@ -896,8 +849,8 @@
         </p:nvSpPr>
         <p:spPr>
           <a:xfrm>
-            <a:off x="1523880" y="1122480"/>
-            <a:ext cx="9143280" cy="2386800"/>
+            <a:off x="609480" y="273600"/>
+            <a:ext cx="10972440" cy="1144800"/>
           </a:xfrm>
           <a:prstGeom prst="rect">
             <a:avLst/>
@@ -908,14 +861,6 @@
           <a:p>
             <a:pPr algn="ctr"/>
             <a:endParaRPr b="0" lang="es-CL" sz="4400" spc="-1" strike="noStrike">
-              <a:solidFill>
-                <a:srgbClr val="000000"/>
-              </a:solidFill>
-              <a:uFill>
-                <a:solidFill>
-                  <a:srgbClr val="ffffff"/>
-                </a:solidFill>
-              </a:uFill>
               <a:latin typeface="Arial"/>
             </a:endParaRPr>
           </a:p>
@@ -945,7 +890,7 @@
       </p:grpSpPr>
       <p:sp>
         <p:nvSpPr>
-          <p:cNvPr id="9" name="PlaceHolder 1"/>
+          <p:cNvPr id="10" name="PlaceHolder 1"/>
           <p:cNvSpPr>
             <a:spLocks noGrp="1"/>
           </p:cNvSpPr>
@@ -955,8 +900,8 @@
         </p:nvSpPr>
         <p:spPr>
           <a:xfrm>
-            <a:off x="1523880" y="1122480"/>
-            <a:ext cx="9143280" cy="11064960"/>
+            <a:off x="609480" y="273600"/>
+            <a:ext cx="10972440" cy="5307840"/>
           </a:xfrm>
           <a:prstGeom prst="rect">
             <a:avLst/>
@@ -967,14 +912,6 @@
           <a:p>
             <a:pPr algn="ctr"/>
             <a:endParaRPr b="0" lang="es-CL" sz="3200" spc="-1" strike="noStrike">
-              <a:solidFill>
-                <a:srgbClr val="000000"/>
-              </a:solidFill>
-              <a:uFill>
-                <a:solidFill>
-                  <a:srgbClr val="ffffff"/>
-                </a:solidFill>
-              </a:uFill>
               <a:latin typeface="Arial"/>
             </a:endParaRPr>
           </a:p>
@@ -1004,7 +941,7 @@
       </p:grpSpPr>
       <p:sp>
         <p:nvSpPr>
-          <p:cNvPr id="10" name="PlaceHolder 1"/>
+          <p:cNvPr id="11" name="PlaceHolder 1"/>
           <p:cNvSpPr>
             <a:spLocks noGrp="1"/>
           </p:cNvSpPr>
@@ -1014,8 +951,8 @@
         </p:nvSpPr>
         <p:spPr>
           <a:xfrm>
-            <a:off x="1523880" y="1122480"/>
-            <a:ext cx="9143280" cy="2386800"/>
+            <a:off x="609480" y="273600"/>
+            <a:ext cx="10972440" cy="1144800"/>
           </a:xfrm>
           <a:prstGeom prst="rect">
             <a:avLst/>
@@ -1026,22 +963,14 @@
           <a:p>
             <a:pPr algn="ctr"/>
             <a:endParaRPr b="0" lang="es-CL" sz="4400" spc="-1" strike="noStrike">
-              <a:solidFill>
-                <a:srgbClr val="000000"/>
-              </a:solidFill>
-              <a:uFill>
-                <a:solidFill>
-                  <a:srgbClr val="ffffff"/>
-                </a:solidFill>
-              </a:uFill>
-              <a:latin typeface="Arial"/>
-            </a:endParaRPr>
-          </a:p>
-        </p:txBody>
-      </p:sp>
-      <p:sp>
-        <p:nvSpPr>
-          <p:cNvPr id="11" name="PlaceHolder 2"/>
+              <a:latin typeface="Arial"/>
+            </a:endParaRPr>
+          </a:p>
+        </p:txBody>
+      </p:sp>
+      <p:sp>
+        <p:nvSpPr>
+          <p:cNvPr id="12" name="PlaceHolder 2"/>
           <p:cNvSpPr>
             <a:spLocks noGrp="1"/>
           </p:cNvSpPr>
@@ -1059,25 +988,49 @@
           </a:prstGeom>
         </p:spPr>
         <p:txBody>
-          <a:bodyPr lIns="0" rIns="0" tIns="0" bIns="0"/>
+          <a:bodyPr lIns="0" rIns="0" tIns="0" bIns="0">
+            <a:normAutofit/>
+          </a:bodyPr>
           <a:p>
             <a:endParaRPr b="0" lang="es-CL" sz="3200" spc="-1" strike="noStrike">
-              <a:solidFill>
-                <a:srgbClr val="000000"/>
-              </a:solidFill>
-              <a:uFill>
-                <a:solidFill>
-                  <a:srgbClr val="ffffff"/>
-                </a:solidFill>
-              </a:uFill>
-              <a:latin typeface="Arial"/>
-            </a:endParaRPr>
-          </a:p>
-        </p:txBody>
-      </p:sp>
-      <p:sp>
-        <p:nvSpPr>
-          <p:cNvPr id="12" name="PlaceHolder 3"/>
+              <a:latin typeface="Arial"/>
+            </a:endParaRPr>
+          </a:p>
+        </p:txBody>
+      </p:sp>
+      <p:sp>
+        <p:nvSpPr>
+          <p:cNvPr id="13" name="PlaceHolder 3"/>
+          <p:cNvSpPr>
+            <a:spLocks noGrp="1"/>
+          </p:cNvSpPr>
+          <p:nvPr>
+            <p:ph type="body"/>
+          </p:nvPr>
+        </p:nvSpPr>
+        <p:spPr>
+          <a:xfrm>
+            <a:off x="6231960" y="1604520"/>
+            <a:ext cx="5354280" cy="3977280"/>
+          </a:xfrm>
+          <a:prstGeom prst="rect">
+            <a:avLst/>
+          </a:prstGeom>
+        </p:spPr>
+        <p:txBody>
+          <a:bodyPr lIns="0" rIns="0" tIns="0" bIns="0">
+            <a:normAutofit/>
+          </a:bodyPr>
+          <a:p>
+            <a:endParaRPr b="0" lang="es-CL" sz="3200" spc="-1" strike="noStrike">
+              <a:latin typeface="Arial"/>
+            </a:endParaRPr>
+          </a:p>
+        </p:txBody>
+      </p:sp>
+      <p:sp>
+        <p:nvSpPr>
+          <p:cNvPr id="14" name="PlaceHolder 4"/>
           <p:cNvSpPr>
             <a:spLocks noGrp="1"/>
           </p:cNvSpPr>
@@ -1095,53 +1048,11 @@
           </a:prstGeom>
         </p:spPr>
         <p:txBody>
-          <a:bodyPr lIns="0" rIns="0" tIns="0" bIns="0"/>
+          <a:bodyPr lIns="0" rIns="0" tIns="0" bIns="0">
+            <a:normAutofit/>
+          </a:bodyPr>
           <a:p>
             <a:endParaRPr b="0" lang="es-CL" sz="3200" spc="-1" strike="noStrike">
-              <a:solidFill>
-                <a:srgbClr val="000000"/>
-              </a:solidFill>
-              <a:uFill>
-                <a:solidFill>
-                  <a:srgbClr val="ffffff"/>
-                </a:solidFill>
-              </a:uFill>
-              <a:latin typeface="Arial"/>
-            </a:endParaRPr>
-          </a:p>
-        </p:txBody>
-      </p:sp>
-      <p:sp>
-        <p:nvSpPr>
-          <p:cNvPr id="13" name="PlaceHolder 4"/>
-          <p:cNvSpPr>
-            <a:spLocks noGrp="1"/>
-          </p:cNvSpPr>
-          <p:nvPr>
-            <p:ph type="body"/>
-          </p:nvPr>
-        </p:nvSpPr>
-        <p:spPr>
-          <a:xfrm>
-            <a:off x="6231960" y="1604520"/>
-            <a:ext cx="5354280" cy="3977280"/>
-          </a:xfrm>
-          <a:prstGeom prst="rect">
-            <a:avLst/>
-          </a:prstGeom>
-        </p:spPr>
-        <p:txBody>
-          <a:bodyPr lIns="0" rIns="0" tIns="0" bIns="0"/>
-          <a:p>
-            <a:endParaRPr b="0" lang="es-CL" sz="3200" spc="-1" strike="noStrike">
-              <a:solidFill>
-                <a:srgbClr val="000000"/>
-              </a:solidFill>
-              <a:uFill>
-                <a:solidFill>
-                  <a:srgbClr val="ffffff"/>
-                </a:solidFill>
-              </a:uFill>
               <a:latin typeface="Arial"/>
             </a:endParaRPr>
           </a:p>
@@ -1171,7 +1082,7 @@
       </p:grpSpPr>
       <p:sp>
         <p:nvSpPr>
-          <p:cNvPr id="14" name="PlaceHolder 1"/>
+          <p:cNvPr id="15" name="PlaceHolder 1"/>
           <p:cNvSpPr>
             <a:spLocks noGrp="1"/>
           </p:cNvSpPr>
@@ -1181,8 +1092,8 @@
         </p:nvSpPr>
         <p:spPr>
           <a:xfrm>
-            <a:off x="1523880" y="1122480"/>
-            <a:ext cx="9143280" cy="2386800"/>
+            <a:off x="609480" y="273600"/>
+            <a:ext cx="10972440" cy="1144800"/>
           </a:xfrm>
           <a:prstGeom prst="rect">
             <a:avLst/>
@@ -1193,22 +1104,14 @@
           <a:p>
             <a:pPr algn="ctr"/>
             <a:endParaRPr b="0" lang="es-CL" sz="4400" spc="-1" strike="noStrike">
-              <a:solidFill>
-                <a:srgbClr val="000000"/>
-              </a:solidFill>
-              <a:uFill>
-                <a:solidFill>
-                  <a:srgbClr val="ffffff"/>
-                </a:solidFill>
-              </a:uFill>
-              <a:latin typeface="Arial"/>
-            </a:endParaRPr>
-          </a:p>
-        </p:txBody>
-      </p:sp>
-      <p:sp>
-        <p:nvSpPr>
-          <p:cNvPr id="15" name="PlaceHolder 2"/>
+              <a:latin typeface="Arial"/>
+            </a:endParaRPr>
+          </a:p>
+        </p:txBody>
+      </p:sp>
+      <p:sp>
+        <p:nvSpPr>
+          <p:cNvPr id="16" name="PlaceHolder 2"/>
           <p:cNvSpPr>
             <a:spLocks noGrp="1"/>
           </p:cNvSpPr>
@@ -1226,25 +1129,19 @@
           </a:prstGeom>
         </p:spPr>
         <p:txBody>
-          <a:bodyPr lIns="0" rIns="0" tIns="0" bIns="0"/>
+          <a:bodyPr lIns="0" rIns="0" tIns="0" bIns="0">
+            <a:normAutofit/>
+          </a:bodyPr>
           <a:p>
             <a:endParaRPr b="0" lang="es-CL" sz="3200" spc="-1" strike="noStrike">
-              <a:solidFill>
-                <a:srgbClr val="000000"/>
-              </a:solidFill>
-              <a:uFill>
-                <a:solidFill>
-                  <a:srgbClr val="ffffff"/>
-                </a:solidFill>
-              </a:uFill>
-              <a:latin typeface="Arial"/>
-            </a:endParaRPr>
-          </a:p>
-        </p:txBody>
-      </p:sp>
-      <p:sp>
-        <p:nvSpPr>
-          <p:cNvPr id="16" name="PlaceHolder 3"/>
+              <a:latin typeface="Arial"/>
+            </a:endParaRPr>
+          </a:p>
+        </p:txBody>
+      </p:sp>
+      <p:sp>
+        <p:nvSpPr>
+          <p:cNvPr id="17" name="PlaceHolder 3"/>
           <p:cNvSpPr>
             <a:spLocks noGrp="1"/>
           </p:cNvSpPr>
@@ -1262,25 +1159,19 @@
           </a:prstGeom>
         </p:spPr>
         <p:txBody>
-          <a:bodyPr lIns="0" rIns="0" tIns="0" bIns="0"/>
+          <a:bodyPr lIns="0" rIns="0" tIns="0" bIns="0">
+            <a:normAutofit/>
+          </a:bodyPr>
           <a:p>
             <a:endParaRPr b="0" lang="es-CL" sz="3200" spc="-1" strike="noStrike">
-              <a:solidFill>
-                <a:srgbClr val="000000"/>
-              </a:solidFill>
-              <a:uFill>
-                <a:solidFill>
-                  <a:srgbClr val="ffffff"/>
-                </a:solidFill>
-              </a:uFill>
-              <a:latin typeface="Arial"/>
-            </a:endParaRPr>
-          </a:p>
-        </p:txBody>
-      </p:sp>
-      <p:sp>
-        <p:nvSpPr>
-          <p:cNvPr id="17" name="PlaceHolder 4"/>
+              <a:latin typeface="Arial"/>
+            </a:endParaRPr>
+          </a:p>
+        </p:txBody>
+      </p:sp>
+      <p:sp>
+        <p:nvSpPr>
+          <p:cNvPr id="18" name="PlaceHolder 4"/>
           <p:cNvSpPr>
             <a:spLocks noGrp="1"/>
           </p:cNvSpPr>
@@ -1298,17 +1189,11 @@
           </a:prstGeom>
         </p:spPr>
         <p:txBody>
-          <a:bodyPr lIns="0" rIns="0" tIns="0" bIns="0"/>
+          <a:bodyPr lIns="0" rIns="0" tIns="0" bIns="0">
+            <a:normAutofit/>
+          </a:bodyPr>
           <a:p>
             <a:endParaRPr b="0" lang="es-CL" sz="3200" spc="-1" strike="noStrike">
-              <a:solidFill>
-                <a:srgbClr val="000000"/>
-              </a:solidFill>
-              <a:uFill>
-                <a:solidFill>
-                  <a:srgbClr val="ffffff"/>
-                </a:solidFill>
-              </a:uFill>
               <a:latin typeface="Arial"/>
             </a:endParaRPr>
           </a:p>
@@ -1338,7 +1223,7 @@
       </p:grpSpPr>
       <p:sp>
         <p:nvSpPr>
-          <p:cNvPr id="18" name="PlaceHolder 1"/>
+          <p:cNvPr id="19" name="PlaceHolder 1"/>
           <p:cNvSpPr>
             <a:spLocks noGrp="1"/>
           </p:cNvSpPr>
@@ -1348,8 +1233,8 @@
         </p:nvSpPr>
         <p:spPr>
           <a:xfrm>
-            <a:off x="1523880" y="1122480"/>
-            <a:ext cx="9143280" cy="2386800"/>
+            <a:off x="609480" y="273600"/>
+            <a:ext cx="10972440" cy="1144800"/>
           </a:xfrm>
           <a:prstGeom prst="rect">
             <a:avLst/>
@@ -1360,22 +1245,14 @@
           <a:p>
             <a:pPr algn="ctr"/>
             <a:endParaRPr b="0" lang="es-CL" sz="4400" spc="-1" strike="noStrike">
-              <a:solidFill>
-                <a:srgbClr val="000000"/>
-              </a:solidFill>
-              <a:uFill>
-                <a:solidFill>
-                  <a:srgbClr val="ffffff"/>
-                </a:solidFill>
-              </a:uFill>
-              <a:latin typeface="Arial"/>
-            </a:endParaRPr>
-          </a:p>
-        </p:txBody>
-      </p:sp>
-      <p:sp>
-        <p:nvSpPr>
-          <p:cNvPr id="19" name="PlaceHolder 2"/>
+              <a:latin typeface="Arial"/>
+            </a:endParaRPr>
+          </a:p>
+        </p:txBody>
+      </p:sp>
+      <p:sp>
+        <p:nvSpPr>
+          <p:cNvPr id="20" name="PlaceHolder 2"/>
           <p:cNvSpPr>
             <a:spLocks noGrp="1"/>
           </p:cNvSpPr>
@@ -1393,25 +1270,19 @@
           </a:prstGeom>
         </p:spPr>
         <p:txBody>
-          <a:bodyPr lIns="0" rIns="0" tIns="0" bIns="0"/>
+          <a:bodyPr lIns="0" rIns="0" tIns="0" bIns="0">
+            <a:normAutofit/>
+          </a:bodyPr>
           <a:p>
             <a:endParaRPr b="0" lang="es-CL" sz="3200" spc="-1" strike="noStrike">
-              <a:solidFill>
-                <a:srgbClr val="000000"/>
-              </a:solidFill>
-              <a:uFill>
-                <a:solidFill>
-                  <a:srgbClr val="ffffff"/>
-                </a:solidFill>
-              </a:uFill>
-              <a:latin typeface="Arial"/>
-            </a:endParaRPr>
-          </a:p>
-        </p:txBody>
-      </p:sp>
-      <p:sp>
-        <p:nvSpPr>
-          <p:cNvPr id="20" name="PlaceHolder 3"/>
+              <a:latin typeface="Arial"/>
+            </a:endParaRPr>
+          </a:p>
+        </p:txBody>
+      </p:sp>
+      <p:sp>
+        <p:nvSpPr>
+          <p:cNvPr id="21" name="PlaceHolder 3"/>
           <p:cNvSpPr>
             <a:spLocks noGrp="1"/>
           </p:cNvSpPr>
@@ -1429,25 +1300,19 @@
           </a:prstGeom>
         </p:spPr>
         <p:txBody>
-          <a:bodyPr lIns="0" rIns="0" tIns="0" bIns="0"/>
+          <a:bodyPr lIns="0" rIns="0" tIns="0" bIns="0">
+            <a:normAutofit/>
+          </a:bodyPr>
           <a:p>
             <a:endParaRPr b="0" lang="es-CL" sz="3200" spc="-1" strike="noStrike">
-              <a:solidFill>
-                <a:srgbClr val="000000"/>
-              </a:solidFill>
-              <a:uFill>
-                <a:solidFill>
-                  <a:srgbClr val="ffffff"/>
-                </a:solidFill>
-              </a:uFill>
-              <a:latin typeface="Arial"/>
-            </a:endParaRPr>
-          </a:p>
-        </p:txBody>
-      </p:sp>
-      <p:sp>
-        <p:nvSpPr>
-          <p:cNvPr id="21" name="PlaceHolder 4"/>
+              <a:latin typeface="Arial"/>
+            </a:endParaRPr>
+          </a:p>
+        </p:txBody>
+      </p:sp>
+      <p:sp>
+        <p:nvSpPr>
+          <p:cNvPr id="22" name="PlaceHolder 4"/>
           <p:cNvSpPr>
             <a:spLocks noGrp="1"/>
           </p:cNvSpPr>
@@ -1465,17 +1330,11 @@
           </a:prstGeom>
         </p:spPr>
         <p:txBody>
-          <a:bodyPr lIns="0" rIns="0" tIns="0" bIns="0"/>
+          <a:bodyPr lIns="0" rIns="0" tIns="0" bIns="0">
+            <a:normAutofit/>
+          </a:bodyPr>
           <a:p>
             <a:endParaRPr b="0" lang="es-CL" sz="3200" spc="-1" strike="noStrike">
-              <a:solidFill>
-                <a:srgbClr val="000000"/>
-              </a:solidFill>
-              <a:uFill>
-                <a:solidFill>
-                  <a:srgbClr val="ffffff"/>
-                </a:solidFill>
-              </a:uFill>
               <a:latin typeface="Arial"/>
             </a:endParaRPr>
           </a:p>
@@ -1522,8 +1381,8 @@
         </p:nvSpPr>
         <p:spPr>
           <a:xfrm>
-            <a:off x="1523880" y="1122480"/>
-            <a:ext cx="9143280" cy="2386800"/>
+            <a:off x="609480" y="273600"/>
+            <a:ext cx="10972440" cy="1144800"/>
           </a:xfrm>
           <a:prstGeom prst="rect">
             <a:avLst/>
@@ -1533,15 +1392,192 @@
           <a:bodyPr lIns="0" rIns="0" tIns="0" bIns="0" anchor="ctr"/>
           <a:p>
             <a:pPr algn="ctr"/>
+            <a:r>
+              <a:rPr b="0" lang="es-CL" sz="4400" spc="-1" strike="noStrike">
+                <a:latin typeface="Arial"/>
+              </a:rPr>
+              <a:t>Click to edit the title text format</a:t>
+            </a:r>
             <a:endParaRPr b="0" lang="es-CL" sz="4400" spc="-1" strike="noStrike">
-              <a:solidFill>
+              <a:latin typeface="Arial"/>
+            </a:endParaRPr>
+          </a:p>
+        </p:txBody>
+      </p:sp>
+      <p:sp>
+        <p:nvSpPr>
+          <p:cNvPr id="1" name="PlaceHolder 2"/>
+          <p:cNvSpPr>
+            <a:spLocks noGrp="1"/>
+          </p:cNvSpPr>
+          <p:nvPr>
+            <p:ph type="body"/>
+          </p:nvPr>
+        </p:nvSpPr>
+        <p:spPr>
+          <a:xfrm>
+            <a:off x="609480" y="1604520"/>
+            <a:ext cx="10972440" cy="3977280"/>
+          </a:xfrm>
+          <a:prstGeom prst="rect">
+            <a:avLst/>
+          </a:prstGeom>
+        </p:spPr>
+        <p:txBody>
+          <a:bodyPr lIns="0" rIns="0" tIns="0" bIns="0">
+            <a:normAutofit/>
+          </a:bodyPr>
+          <a:p>
+            <a:pPr marL="432000" indent="-324000">
+              <a:spcBef>
+                <a:spcPts val="1417"/>
+              </a:spcBef>
+              <a:buClr>
                 <a:srgbClr val="000000"/>
-              </a:solidFill>
-              <a:uFill>
-                <a:solidFill>
-                  <a:srgbClr val="ffffff"/>
-                </a:solidFill>
-              </a:uFill>
+              </a:buClr>
+              <a:buSzPct val="45000"/>
+              <a:buFont typeface="Wingdings" charset="2"/>
+              <a:buChar char=""/>
+            </a:pPr>
+            <a:r>
+              <a:rPr b="0" lang="es-CL" sz="3200" spc="-1" strike="noStrike">
+                <a:latin typeface="Arial"/>
+              </a:rPr>
+              <a:t>Click to edit the outline text format</a:t>
+            </a:r>
+            <a:endParaRPr b="0" lang="es-CL" sz="3200" spc="-1" strike="noStrike">
+              <a:latin typeface="Arial"/>
+            </a:endParaRPr>
+          </a:p>
+          <a:p>
+            <a:pPr lvl="1" marL="864000" indent="-324000">
+              <a:spcBef>
+                <a:spcPts val="1134"/>
+              </a:spcBef>
+              <a:buClr>
+                <a:srgbClr val="000000"/>
+              </a:buClr>
+              <a:buSzPct val="75000"/>
+              <a:buFont typeface="Symbol" charset="2"/>
+              <a:buChar char=""/>
+            </a:pPr>
+            <a:r>
+              <a:rPr b="0" lang="es-CL" sz="2800" spc="-1" strike="noStrike">
+                <a:latin typeface="Arial"/>
+              </a:rPr>
+              <a:t>Second Outline Level</a:t>
+            </a:r>
+            <a:endParaRPr b="0" lang="es-CL" sz="2800" spc="-1" strike="noStrike">
+              <a:latin typeface="Arial"/>
+            </a:endParaRPr>
+          </a:p>
+          <a:p>
+            <a:pPr lvl="2" marL="1296000" indent="-288000">
+              <a:spcBef>
+                <a:spcPts val="850"/>
+              </a:spcBef>
+              <a:buClr>
+                <a:srgbClr val="000000"/>
+              </a:buClr>
+              <a:buSzPct val="45000"/>
+              <a:buFont typeface="Wingdings" charset="2"/>
+              <a:buChar char=""/>
+            </a:pPr>
+            <a:r>
+              <a:rPr b="0" lang="es-CL" sz="2400" spc="-1" strike="noStrike">
+                <a:latin typeface="Arial"/>
+              </a:rPr>
+              <a:t>Third Outline Level</a:t>
+            </a:r>
+            <a:endParaRPr b="0" lang="es-CL" sz="2400" spc="-1" strike="noStrike">
+              <a:latin typeface="Arial"/>
+            </a:endParaRPr>
+          </a:p>
+          <a:p>
+            <a:pPr lvl="3" marL="1728000" indent="-216000">
+              <a:spcBef>
+                <a:spcPts val="567"/>
+              </a:spcBef>
+              <a:buClr>
+                <a:srgbClr val="000000"/>
+              </a:buClr>
+              <a:buSzPct val="75000"/>
+              <a:buFont typeface="Symbol" charset="2"/>
+              <a:buChar char=""/>
+            </a:pPr>
+            <a:r>
+              <a:rPr b="0" lang="es-CL" sz="2000" spc="-1" strike="noStrike">
+                <a:latin typeface="Arial"/>
+              </a:rPr>
+              <a:t>Fourth Outline Level</a:t>
+            </a:r>
+            <a:endParaRPr b="0" lang="es-CL" sz="2000" spc="-1" strike="noStrike">
+              <a:latin typeface="Arial"/>
+            </a:endParaRPr>
+          </a:p>
+          <a:p>
+            <a:pPr lvl="4" marL="2160000" indent="-216000">
+              <a:spcBef>
+                <a:spcPts val="283"/>
+              </a:spcBef>
+              <a:buClr>
+                <a:srgbClr val="000000"/>
+              </a:buClr>
+              <a:buSzPct val="45000"/>
+              <a:buFont typeface="Wingdings" charset="2"/>
+              <a:buChar char=""/>
+            </a:pPr>
+            <a:r>
+              <a:rPr b="0" lang="es-CL" sz="2000" spc="-1" strike="noStrike">
+                <a:latin typeface="Arial"/>
+              </a:rPr>
+              <a:t>Fifth Outline Level</a:t>
+            </a:r>
+            <a:endParaRPr b="0" lang="es-CL" sz="2000" spc="-1" strike="noStrike">
+              <a:latin typeface="Arial"/>
+            </a:endParaRPr>
+          </a:p>
+          <a:p>
+            <a:pPr lvl="5" marL="2592000" indent="-216000">
+              <a:spcBef>
+                <a:spcPts val="283"/>
+              </a:spcBef>
+              <a:buClr>
+                <a:srgbClr val="000000"/>
+              </a:buClr>
+              <a:buSzPct val="45000"/>
+              <a:buFont typeface="Wingdings" charset="2"/>
+              <a:buChar char=""/>
+            </a:pPr>
+            <a:r>
+              <a:rPr b="0" lang="es-CL" sz="2000" spc="-1" strike="noStrike">
+                <a:latin typeface="Arial"/>
+              </a:rPr>
+              <a:t>Sixth Outline Level</a:t>
+            </a:r>
+            <a:endParaRPr b="0" lang="es-CL" sz="2000" spc="-1" strike="noStrike">
+              <a:latin typeface="Arial"/>
+            </a:endParaRPr>
+          </a:p>
+          <a:p>
+            <a:pPr lvl="6" marL="3024000" indent="-216000">
+              <a:spcBef>
+                <a:spcPts val="283"/>
+              </a:spcBef>
+              <a:buClr>
+                <a:srgbClr val="000000"/>
+              </a:buClr>
+              <a:buSzPct val="45000"/>
+              <a:buFont typeface="Wingdings" charset="2"/>
+              <a:buChar char=""/>
+            </a:pPr>
+            <a:r>
+              <a:rPr b="0" lang="es-CL" sz="2000" spc="-1" strike="noStrike">
+                <a:latin typeface="Arial"/>
+              </a:rPr>
+              <a:t>Seventh Outline Level</a:t>
+            </a:r>
+            <a:endParaRPr b="0" lang="es-CL" sz="2000" spc="-1" strike="noStrike">
               <a:latin typeface="Arial"/>
             </a:endParaRPr>
           </a:p>
@@ -1586,14 +1622,14 @@
       </p:grpSpPr>
       <p:sp>
         <p:nvSpPr>
-          <p:cNvPr id="35" name="CustomShape 1"/>
+          <p:cNvPr id="38" name="CustomShape 1"/>
           <p:cNvSpPr/>
           <p:nvPr/>
         </p:nvSpPr>
         <p:spPr>
           <a:xfrm>
             <a:off x="4176000" y="576000"/>
-            <a:ext cx="3815640" cy="3815640"/>
+            <a:ext cx="3814920" cy="3814920"/>
           </a:xfrm>
           <a:prstGeom prst="rect">
             <a:avLst/>
@@ -1617,14 +1653,14 @@
       </p:sp>
       <p:sp>
         <p:nvSpPr>
-          <p:cNvPr id="36" name="CustomShape 2"/>
+          <p:cNvPr id="39" name="CustomShape 2"/>
           <p:cNvSpPr/>
           <p:nvPr/>
         </p:nvSpPr>
         <p:spPr>
           <a:xfrm rot="1800000">
-            <a:off x="487080" y="673920"/>
-            <a:ext cx="2610720" cy="2272320"/>
+            <a:off x="486720" y="673200"/>
+            <a:ext cx="2610000" cy="2271600"/>
           </a:xfrm>
           <a:prstGeom prst="hexagon">
             <a:avLst>
@@ -1662,14 +1698,14 @@
       </p:sp>
       <p:sp>
         <p:nvSpPr>
-          <p:cNvPr id="37" name="CustomShape 3"/>
+          <p:cNvPr id="40" name="CustomShape 3"/>
           <p:cNvSpPr/>
           <p:nvPr/>
         </p:nvSpPr>
         <p:spPr>
           <a:xfrm rot="19734000">
-            <a:off x="520560" y="597600"/>
-            <a:ext cx="2210400" cy="249840"/>
+            <a:off x="519840" y="597600"/>
+            <a:ext cx="2209680" cy="249120"/>
           </a:xfrm>
           <a:prstGeom prst="rect">
             <a:avLst/>
@@ -1698,40 +1734,27 @@
                 <a:solidFill>
                   <a:srgbClr val="000000"/>
                 </a:solidFill>
-                <a:uFill>
-                  <a:solidFill>
-                    <a:srgbClr val="ffffff"/>
-                  </a:solidFill>
-                </a:uFill>
                 <a:latin typeface="Fira Sans"/>
                 <a:ea typeface="DejaVu Sans"/>
               </a:rPr>
               <a:t>shinycustomloader</a:t>
             </a:r>
-            <a:endParaRPr b="0" lang="es-CL" sz="1800" spc="-1" strike="noStrike">
-              <a:solidFill>
-                <a:srgbClr val="000000"/>
-              </a:solidFill>
-              <a:uFill>
-                <a:solidFill>
-                  <a:srgbClr val="ffffff"/>
-                </a:solidFill>
-              </a:uFill>
-              <a:latin typeface="Arial"/>
-            </a:endParaRPr>
-          </a:p>
-        </p:txBody>
-      </p:sp>
-      <p:sp>
-        <p:nvSpPr>
-          <p:cNvPr id="38" name="CustomShape 4"/>
+            <a:endParaRPr b="0" lang="es-CL" sz="1050" spc="-1" strike="noStrike">
+              <a:latin typeface="Arial"/>
+            </a:endParaRPr>
+          </a:p>
+        </p:txBody>
+      </p:sp>
+      <p:sp>
+        <p:nvSpPr>
+          <p:cNvPr id="41" name="CustomShape 4"/>
           <p:cNvSpPr/>
           <p:nvPr/>
         </p:nvSpPr>
         <p:spPr>
           <a:xfrm rot="1826400">
-            <a:off x="1546920" y="1039320"/>
-            <a:ext cx="2210400" cy="249840"/>
+            <a:off x="1546920" y="1038960"/>
+            <a:ext cx="2209680" cy="249120"/>
           </a:xfrm>
           <a:prstGeom prst="rect">
             <a:avLst/>
@@ -1760,25 +1783,12 @@
                 <a:solidFill>
                   <a:srgbClr val="000000"/>
                 </a:solidFill>
-                <a:uFill>
-                  <a:solidFill>
-                    <a:srgbClr val="ffffff"/>
-                  </a:solidFill>
-                </a:uFill>
                 <a:latin typeface="Fira Sans"/>
                 <a:ea typeface="DejaVu Sans"/>
               </a:rPr>
               <a:t>shinycustomloader</a:t>
             </a:r>
-            <a:endParaRPr b="0" lang="es-CL" sz="1800" spc="-1" strike="noStrike">
-              <a:solidFill>
-                <a:srgbClr val="000000"/>
-              </a:solidFill>
-              <a:uFill>
-                <a:solidFill>
-                  <a:srgbClr val="ffffff"/>
-                </a:solidFill>
-              </a:uFill>
+            <a:endParaRPr b="0" lang="es-CL" sz="1050" spc="-1" strike="noStrike">
               <a:latin typeface="Arial"/>
             </a:endParaRPr>
           </a:p>
@@ -1786,7 +1796,7 @@
       </p:sp>
       <p:pic>
         <p:nvPicPr>
-          <p:cNvPr id="39" name="Picture 15" descr=""/>
+          <p:cNvPr id="42" name="Picture 15" descr=""/>
           <p:cNvPicPr/>
           <p:nvPr/>
         </p:nvPicPr>
@@ -1797,7 +1807,7 @@
         <p:spPr>
           <a:xfrm>
             <a:off x="1105920" y="1153080"/>
-            <a:ext cx="1343880" cy="1343880"/>
+            <a:ext cx="1343160" cy="1343160"/>
           </a:xfrm>
           <a:prstGeom prst="rect">
             <a:avLst/>
@@ -1809,14 +1819,14 @@
       </p:pic>
       <p:sp>
         <p:nvSpPr>
-          <p:cNvPr id="40" name="CustomShape 5"/>
+          <p:cNvPr id="43" name="CustomShape 5"/>
           <p:cNvSpPr/>
           <p:nvPr/>
         </p:nvSpPr>
         <p:spPr>
           <a:xfrm rot="5400000">
-            <a:off x="1723320" y="2122920"/>
-            <a:ext cx="2210400" cy="249840"/>
+            <a:off x="1724040" y="2122920"/>
+            <a:ext cx="2209680" cy="249120"/>
           </a:xfrm>
           <a:prstGeom prst="rect">
             <a:avLst/>
@@ -1845,40 +1855,27 @@
                 <a:solidFill>
                   <a:srgbClr val="000000"/>
                 </a:solidFill>
-                <a:uFill>
-                  <a:solidFill>
-                    <a:srgbClr val="ffffff"/>
-                  </a:solidFill>
-                </a:uFill>
                 <a:latin typeface="Fira Sans"/>
                 <a:ea typeface="DejaVu Sans"/>
               </a:rPr>
               <a:t>shinycustomloader</a:t>
             </a:r>
-            <a:endParaRPr b="0" lang="es-CL" sz="1800" spc="-1" strike="noStrike">
-              <a:solidFill>
-                <a:srgbClr val="000000"/>
-              </a:solidFill>
-              <a:uFill>
-                <a:solidFill>
-                  <a:srgbClr val="ffffff"/>
-                </a:solidFill>
-              </a:uFill>
-              <a:latin typeface="Arial"/>
-            </a:endParaRPr>
-          </a:p>
-        </p:txBody>
-      </p:sp>
-      <p:sp>
-        <p:nvSpPr>
-          <p:cNvPr id="41" name="CustomShape 6"/>
+            <a:endParaRPr b="0" lang="es-CL" sz="1050" spc="-1" strike="noStrike">
+              <a:latin typeface="Arial"/>
+            </a:endParaRPr>
+          </a:p>
+        </p:txBody>
+      </p:sp>
+      <p:sp>
+        <p:nvSpPr>
+          <p:cNvPr id="44" name="CustomShape 6"/>
           <p:cNvSpPr/>
           <p:nvPr/>
         </p:nvSpPr>
         <p:spPr>
           <a:xfrm rot="8884800">
-            <a:off x="831600" y="2820600"/>
-            <a:ext cx="2210400" cy="249840"/>
+            <a:off x="831960" y="2820960"/>
+            <a:ext cx="2209680" cy="249120"/>
           </a:xfrm>
           <a:prstGeom prst="rect">
             <a:avLst/>
@@ -1907,40 +1904,27 @@
                 <a:solidFill>
                   <a:srgbClr val="000000"/>
                 </a:solidFill>
-                <a:uFill>
-                  <a:solidFill>
-                    <a:srgbClr val="ffffff"/>
-                  </a:solidFill>
-                </a:uFill>
                 <a:latin typeface="Fira Sans"/>
                 <a:ea typeface="DejaVu Sans"/>
               </a:rPr>
               <a:t>shinycustomloader</a:t>
             </a:r>
-            <a:endParaRPr b="0" lang="es-CL" sz="1800" spc="-1" strike="noStrike">
-              <a:solidFill>
-                <a:srgbClr val="000000"/>
-              </a:solidFill>
-              <a:uFill>
-                <a:solidFill>
-                  <a:srgbClr val="ffffff"/>
-                </a:solidFill>
-              </a:uFill>
-              <a:latin typeface="Arial"/>
-            </a:endParaRPr>
-          </a:p>
-        </p:txBody>
-      </p:sp>
-      <p:sp>
-        <p:nvSpPr>
-          <p:cNvPr id="42" name="CustomShape 7"/>
+            <a:endParaRPr b="0" lang="es-CL" sz="1050" spc="-1" strike="noStrike">
+              <a:latin typeface="Arial"/>
+            </a:endParaRPr>
+          </a:p>
+        </p:txBody>
+      </p:sp>
+      <p:sp>
+        <p:nvSpPr>
+          <p:cNvPr id="45" name="CustomShape 7"/>
           <p:cNvSpPr/>
           <p:nvPr/>
         </p:nvSpPr>
         <p:spPr>
           <a:xfrm rot="12669000">
-            <a:off x="-176400" y="2366280"/>
-            <a:ext cx="2210400" cy="249840"/>
+            <a:off x="-175680" y="2367000"/>
+            <a:ext cx="2209680" cy="249120"/>
           </a:xfrm>
           <a:prstGeom prst="rect">
             <a:avLst/>
@@ -1969,40 +1953,27 @@
                 <a:solidFill>
                   <a:srgbClr val="000000"/>
                 </a:solidFill>
-                <a:uFill>
-                  <a:solidFill>
-                    <a:srgbClr val="ffffff"/>
-                  </a:solidFill>
-                </a:uFill>
                 <a:latin typeface="Fira Sans"/>
                 <a:ea typeface="DejaVu Sans"/>
               </a:rPr>
               <a:t>shinycustomloader</a:t>
             </a:r>
-            <a:endParaRPr b="0" lang="es-CL" sz="1800" spc="-1" strike="noStrike">
-              <a:solidFill>
-                <a:srgbClr val="000000"/>
-              </a:solidFill>
-              <a:uFill>
-                <a:solidFill>
-                  <a:srgbClr val="ffffff"/>
-                </a:solidFill>
-              </a:uFill>
-              <a:latin typeface="Arial"/>
-            </a:endParaRPr>
-          </a:p>
-        </p:txBody>
-      </p:sp>
-      <p:sp>
-        <p:nvSpPr>
-          <p:cNvPr id="43" name="CustomShape 8"/>
+            <a:endParaRPr b="0" lang="es-CL" sz="1050" spc="-1" strike="noStrike">
+              <a:latin typeface="Arial"/>
+            </a:endParaRPr>
+          </a:p>
+        </p:txBody>
+      </p:sp>
+      <p:sp>
+        <p:nvSpPr>
+          <p:cNvPr id="46" name="CustomShape 8"/>
           <p:cNvSpPr/>
           <p:nvPr/>
         </p:nvSpPr>
         <p:spPr>
           <a:xfrm rot="16200000">
-            <a:off x="-344160" y="1283400"/>
-            <a:ext cx="2210400" cy="249840"/>
+            <a:off x="-343440" y="1284120"/>
+            <a:ext cx="2209680" cy="249120"/>
           </a:xfrm>
           <a:prstGeom prst="rect">
             <a:avLst/>
@@ -2031,40 +2002,27 @@
                 <a:solidFill>
                   <a:srgbClr val="000000"/>
                 </a:solidFill>
-                <a:uFill>
-                  <a:solidFill>
-                    <a:srgbClr val="ffffff"/>
-                  </a:solidFill>
-                </a:uFill>
                 <a:latin typeface="Fira Sans"/>
                 <a:ea typeface="DejaVu Sans"/>
               </a:rPr>
               <a:t>shinycustomloader</a:t>
             </a:r>
-            <a:endParaRPr b="0" lang="es-CL" sz="1800" spc="-1" strike="noStrike">
-              <a:solidFill>
-                <a:srgbClr val="000000"/>
-              </a:solidFill>
-              <a:uFill>
-                <a:solidFill>
-                  <a:srgbClr val="ffffff"/>
-                </a:solidFill>
-              </a:uFill>
-              <a:latin typeface="Arial"/>
-            </a:endParaRPr>
-          </a:p>
-        </p:txBody>
-      </p:sp>
-      <p:sp>
-        <p:nvSpPr>
-          <p:cNvPr id="44" name="CustomShape 9"/>
+            <a:endParaRPr b="0" lang="es-CL" sz="1050" spc="-1" strike="noStrike">
+              <a:latin typeface="Arial"/>
+            </a:endParaRPr>
+          </a:p>
+        </p:txBody>
+      </p:sp>
+      <p:sp>
+        <p:nvSpPr>
+          <p:cNvPr id="47" name="CustomShape 9"/>
           <p:cNvSpPr/>
           <p:nvPr/>
         </p:nvSpPr>
         <p:spPr>
           <a:xfrm>
             <a:off x="1097640" y="1097640"/>
-            <a:ext cx="1356120" cy="2527920"/>
+            <a:ext cx="1355400" cy="2527200"/>
           </a:xfrm>
           <a:prstGeom prst="rect">
             <a:avLst/>
@@ -2093,40 +2051,27 @@
                 <a:solidFill>
                   <a:srgbClr val="ed7d31"/>
                 </a:solidFill>
-                <a:uFill>
-                  <a:solidFill>
-                    <a:srgbClr val="ffffff"/>
-                  </a:solidFill>
-                </a:uFill>
                 <a:latin typeface="Calibri"/>
                 <a:ea typeface="DejaVu Sans"/>
               </a:rPr>
               <a:t>shinycustomloader</a:t>
             </a:r>
-            <a:endParaRPr b="0" lang="es-CL" sz="1800" spc="-1" strike="noStrike">
-              <a:solidFill>
-                <a:srgbClr val="000000"/>
-              </a:solidFill>
-              <a:uFill>
-                <a:solidFill>
-                  <a:srgbClr val="ffffff"/>
-                </a:solidFill>
-              </a:uFill>
-              <a:latin typeface="Arial"/>
-            </a:endParaRPr>
-          </a:p>
-        </p:txBody>
-      </p:sp>
-      <p:sp>
-        <p:nvSpPr>
-          <p:cNvPr id="45" name="CustomShape 10"/>
+            <a:endParaRPr b="0" lang="es-CL" sz="3200" spc="-1" strike="noStrike">
+              <a:latin typeface="Arial"/>
+            </a:endParaRPr>
+          </a:p>
+        </p:txBody>
+      </p:sp>
+      <p:sp>
+        <p:nvSpPr>
+          <p:cNvPr id="48" name="CustomShape 10"/>
           <p:cNvSpPr/>
           <p:nvPr/>
         </p:nvSpPr>
         <p:spPr>
           <a:xfrm rot="1800000">
-            <a:off x="521280" y="3635640"/>
-            <a:ext cx="2720880" cy="2368440"/>
+            <a:off x="1261440" y="3400920"/>
+            <a:ext cx="2720160" cy="2367720"/>
           </a:xfrm>
           <a:prstGeom prst="hexagon">
             <a:avLst>
@@ -2164,7 +2109,7 @@
       </p:sp>
       <p:pic>
         <p:nvPicPr>
-          <p:cNvPr id="46" name="Picture 34" descr=""/>
+          <p:cNvPr id="49" name="Picture 34" descr=""/>
           <p:cNvPicPr/>
           <p:nvPr/>
         </p:nvPicPr>
@@ -2175,7 +2120,7 @@
         <p:spPr>
           <a:xfrm>
             <a:off x="1232280" y="4187880"/>
-            <a:ext cx="1343880" cy="1343880"/>
+            <a:ext cx="1343160" cy="1343160"/>
           </a:xfrm>
           <a:prstGeom prst="rect">
             <a:avLst/>
@@ -2187,14 +2132,14 @@
       </p:pic>
       <p:sp>
         <p:nvSpPr>
-          <p:cNvPr id="47" name="CustomShape 11"/>
+          <p:cNvPr id="50" name="CustomShape 11"/>
           <p:cNvSpPr/>
           <p:nvPr/>
         </p:nvSpPr>
         <p:spPr>
           <a:xfrm rot="179400">
             <a:off x="865800" y="3994560"/>
-            <a:ext cx="1708200" cy="8134560"/>
+            <a:ext cx="1707480" cy="8133840"/>
           </a:xfrm>
           <a:prstGeom prst="rect">
             <a:avLst/>
@@ -2223,40 +2168,27 @@
                 <a:solidFill>
                   <a:srgbClr val="ed7d31"/>
                 </a:solidFill>
-                <a:uFill>
-                  <a:solidFill>
-                    <a:srgbClr val="ffffff"/>
-                  </a:solidFill>
-                </a:uFill>
                 <a:latin typeface="Calibri"/>
                 <a:ea typeface="DejaVu Sans"/>
               </a:rPr>
               <a:t>shinycustomloader</a:t>
             </a:r>
-            <a:endParaRPr b="0" lang="es-CL" sz="1800" spc="-1" strike="noStrike">
-              <a:solidFill>
-                <a:srgbClr val="000000"/>
-              </a:solidFill>
-              <a:uFill>
-                <a:solidFill>
-                  <a:srgbClr val="ffffff"/>
-                </a:solidFill>
-              </a:uFill>
-              <a:latin typeface="Arial"/>
-            </a:endParaRPr>
-          </a:p>
-        </p:txBody>
-      </p:sp>
-      <p:sp>
-        <p:nvSpPr>
-          <p:cNvPr id="48" name="CustomShape 12"/>
+            <a:endParaRPr b="0" lang="es-CL" sz="6600" spc="-1" strike="noStrike">
+              <a:latin typeface="Arial"/>
+            </a:endParaRPr>
+          </a:p>
+        </p:txBody>
+      </p:sp>
+      <p:sp>
+        <p:nvSpPr>
+          <p:cNvPr id="51" name="CustomShape 12"/>
           <p:cNvSpPr/>
           <p:nvPr/>
         </p:nvSpPr>
         <p:spPr>
           <a:xfrm rot="1800000">
-            <a:off x="4716360" y="1356840"/>
-            <a:ext cx="2720880" cy="2368440"/>
+            <a:off x="4644360" y="1356120"/>
+            <a:ext cx="2720160" cy="2367720"/>
           </a:xfrm>
           <a:prstGeom prst="hexagon">
             <a:avLst>
@@ -2291,7 +2223,7 @@
       </p:sp>
       <p:pic>
         <p:nvPicPr>
-          <p:cNvPr id="49" name="" descr=""/>
+          <p:cNvPr id="52" name="" descr=""/>
           <p:cNvPicPr/>
           <p:nvPr/>
         </p:nvPicPr>
@@ -2302,7 +2234,7 @@
         <p:spPr>
           <a:xfrm>
             <a:off x="9010080" y="1080000"/>
-            <a:ext cx="2437560" cy="2805840"/>
+            <a:ext cx="2436840" cy="2805120"/>
           </a:xfrm>
           <a:prstGeom prst="rect">
             <a:avLst/>
@@ -2314,14 +2246,14 @@
       </p:pic>
       <p:sp>
         <p:nvSpPr>
-          <p:cNvPr id="50" name="CustomShape 13"/>
+          <p:cNvPr id="53" name="CustomShape 13"/>
           <p:cNvSpPr/>
           <p:nvPr/>
         </p:nvSpPr>
         <p:spPr>
           <a:xfrm>
             <a:off x="3086640" y="4991400"/>
-            <a:ext cx="9081000" cy="912240"/>
+            <a:ext cx="9080280" cy="911520"/>
           </a:xfrm>
           <a:prstGeom prst="rect">
             <a:avLst/>
@@ -2362,14 +2294,6 @@
               <a:t>http://hexb.in/sticker.html</a:t>
             </a:r>
             <a:endParaRPr b="0" lang="es-CL" sz="1800" spc="-1" strike="noStrike">
-              <a:solidFill>
-                <a:srgbClr val="000000"/>
-              </a:solidFill>
-              <a:uFill>
-                <a:solidFill>
-                  <a:srgbClr val="ffffff"/>
-                </a:solidFill>
-              </a:uFill>
               <a:latin typeface="Arial"/>
             </a:endParaRPr>
           </a:p>
@@ -2380,14 +2304,6 @@
               </a:lnSpc>
             </a:pPr>
             <a:endParaRPr b="0" lang="es-CL" sz="1800" spc="-1" strike="noStrike">
-              <a:solidFill>
-                <a:srgbClr val="000000"/>
-              </a:solidFill>
-              <a:uFill>
-                <a:solidFill>
-                  <a:srgbClr val="ffffff"/>
-                </a:solidFill>
-              </a:uFill>
               <a:latin typeface="Arial"/>
             </a:endParaRPr>
           </a:p>
@@ -2402,33 +2318,20 @@
                 <a:solidFill>
                   <a:srgbClr val="000000"/>
                 </a:solidFill>
-                <a:uFill>
-                  <a:solidFill>
-                    <a:srgbClr val="ffffff"/>
-                  </a:solidFill>
-                </a:uFill>
                 <a:latin typeface="Calibri"/>
                 <a:ea typeface="DejaVu Sans"/>
               </a:rPr>
               <a:t>Y luego, para pasar a png: https://onlinepngtools.com/create-transparent-png</a:t>
             </a:r>
             <a:endParaRPr b="0" lang="es-CL" sz="1800" spc="-1" strike="noStrike">
-              <a:solidFill>
-                <a:srgbClr val="000000"/>
-              </a:solidFill>
-              <a:uFill>
-                <a:solidFill>
-                  <a:srgbClr val="ffffff"/>
-                </a:solidFill>
-              </a:uFill>
-              <a:latin typeface="Arial"/>
-            </a:endParaRPr>
-          </a:p>
-        </p:txBody>
-      </p:sp>
-      <p:sp>
-        <p:nvSpPr>
-          <p:cNvPr id="51" name="Line 14"/>
+              <a:latin typeface="Arial"/>
+            </a:endParaRPr>
+          </a:p>
+        </p:txBody>
+      </p:sp>
+      <p:sp>
+        <p:nvSpPr>
+          <p:cNvPr id="54" name="Line 14"/>
           <p:cNvSpPr/>
           <p:nvPr/>
         </p:nvSpPr>
@@ -2456,14 +2359,14 @@
       </p:sp>
       <p:sp>
         <p:nvSpPr>
-          <p:cNvPr id="52" name="CustomShape 15"/>
+          <p:cNvPr id="55" name="CustomShape 15"/>
           <p:cNvSpPr/>
           <p:nvPr/>
         </p:nvSpPr>
         <p:spPr>
           <a:xfrm>
             <a:off x="5760000" y="1980000"/>
-            <a:ext cx="143640" cy="143640"/>
+            <a:ext cx="142920" cy="142920"/>
           </a:xfrm>
           <a:prstGeom prst="ellipse">
             <a:avLst/>
@@ -2487,7 +2390,7 @@
       </p:sp>
       <p:sp>
         <p:nvSpPr>
-          <p:cNvPr id="53" name="Line 16"/>
+          <p:cNvPr id="56" name="Line 16"/>
           <p:cNvSpPr/>
           <p:nvPr/>
         </p:nvSpPr>
@@ -2515,7 +2418,7 @@
       </p:sp>
       <p:sp>
         <p:nvSpPr>
-          <p:cNvPr id="54" name="Line 17"/>
+          <p:cNvPr id="57" name="Line 17"/>
           <p:cNvSpPr/>
           <p:nvPr/>
         </p:nvSpPr>
@@ -2543,14 +2446,14 @@
       </p:sp>
       <p:sp>
         <p:nvSpPr>
-          <p:cNvPr id="55" name="CustomShape 18"/>
+          <p:cNvPr id="58" name="CustomShape 18"/>
           <p:cNvSpPr/>
           <p:nvPr/>
         </p:nvSpPr>
         <p:spPr>
           <a:xfrm>
             <a:off x="6624000" y="2520360"/>
-            <a:ext cx="143640" cy="143640"/>
+            <a:ext cx="142920" cy="142920"/>
           </a:xfrm>
           <a:prstGeom prst="ellipse">
             <a:avLst/>
@@ -2574,14 +2477,14 @@
       </p:sp>
       <p:sp>
         <p:nvSpPr>
-          <p:cNvPr id="56" name="CustomShape 19"/>
+          <p:cNvPr id="59" name="CustomShape 19"/>
           <p:cNvSpPr/>
           <p:nvPr/>
         </p:nvSpPr>
         <p:spPr>
           <a:xfrm>
             <a:off x="5580000" y="3024720"/>
-            <a:ext cx="143640" cy="143640"/>
+            <a:ext cx="142920" cy="142920"/>
           </a:xfrm>
           <a:prstGeom prst="ellipse">
             <a:avLst/>
@@ -2605,14 +2508,14 @@
       </p:sp>
       <p:sp>
         <p:nvSpPr>
-          <p:cNvPr id="57" name="CustomShape 20"/>
+          <p:cNvPr id="60" name="CustomShape 20"/>
           <p:cNvSpPr/>
           <p:nvPr/>
         </p:nvSpPr>
         <p:spPr>
           <a:xfrm>
             <a:off x="6624000" y="2520720"/>
-            <a:ext cx="143640" cy="143640"/>
+            <a:ext cx="142920" cy="142920"/>
           </a:xfrm>
           <a:prstGeom prst="ellipse">
             <a:avLst/>
@@ -2642,7 +2545,556 @@
         <p:cTn id="1" dur="indefinite" restart="never" nodeType="tmRoot">
           <p:childTnLst>
             <p:seq>
-              <p:cTn id="2" nodeType="mainSeq"/>
+              <p:cTn id="2" dur="indefinite" nodeType="mainSeq"/>
+              <p:prevCondLst>
+                <p:cond delay="0" evt="onPrev">
+                  <p:tgtEl>
+                    <p:sldTgt/>
+                  </p:tgtEl>
+                </p:cond>
+              </p:prevCondLst>
+              <p:nextCondLst>
+                <p:cond delay="0" evt="onNext">
+                  <p:tgtEl>
+                    <p:sldTgt/>
+                  </p:tgtEl>
+                </p:cond>
+              </p:nextCondLst>
+            </p:seq>
+          </p:childTnLst>
+        </p:cTn>
+      </p:par>
+    </p:tnLst>
+  </p:timing>
+</p:sld>
+</file>
+
+<file path=ppt/slides/slide2.xml><?xml version="1.0" encoding="utf-8"?>
+<p:sld xmlns:a="http://schemas.openxmlformats.org/drawingml/2006/main" xmlns:p="http://schemas.openxmlformats.org/presentationml/2006/main" xmlns:r="http://schemas.openxmlformats.org/officeDocument/2006/relationships" xmlns:p14="http://schemas.microsoft.com/office/powerpoint/2010/main" xmlns:p15="http://schemas.microsoft.com/office/powerpoint/2012/main" xmlns:mc="http://schemas.openxmlformats.org/markup-compatibility/2006">
+  <p:cSld>
+    <p:spTree>
+      <p:nvGrpSpPr>
+        <p:cNvPr id="1" name=""/>
+        <p:cNvGrpSpPr/>
+        <p:nvPr/>
+      </p:nvGrpSpPr>
+      <p:grpSpPr>
+        <a:xfrm>
+          <a:off x="0" y="0"/>
+          <a:ext cx="0" cy="0"/>
+          <a:chOff x="0" y="0"/>
+          <a:chExt cx="0" cy="0"/>
+        </a:xfrm>
+      </p:grpSpPr>
+      <p:sp>
+        <p:nvSpPr>
+          <p:cNvPr id="61" name="CustomShape 1"/>
+          <p:cNvSpPr/>
+          <p:nvPr/>
+        </p:nvSpPr>
+        <p:spPr>
+          <a:xfrm rot="1800000">
+            <a:off x="8509680" y="1213920"/>
+            <a:ext cx="2720160" cy="2367720"/>
+          </a:xfrm>
+          <a:prstGeom prst="hexagon">
+            <a:avLst>
+              <a:gd name="adj" fmla="val 28372"/>
+              <a:gd name="vf" fmla="val 115470"/>
+            </a:avLst>
+          </a:prstGeom>
+          <a:solidFill>
+            <a:srgbClr val="ff3300"/>
+          </a:solidFill>
+          <a:ln w="69840">
+            <a:solidFill>
+              <a:schemeClr val="tx1"/>
+            </a:solidFill>
+            <a:round/>
+          </a:ln>
+        </p:spPr>
+        <p:style>
+          <a:lnRef idx="2">
+            <a:schemeClr val="accent1">
+              <a:shade val="50000"/>
+            </a:schemeClr>
+          </a:lnRef>
+          <a:fillRef idx="1">
+            <a:schemeClr val="accent1"/>
+          </a:fillRef>
+          <a:effectRef idx="0">
+            <a:schemeClr val="accent1"/>
+          </a:effectRef>
+          <a:fontRef idx="minor"/>
+        </p:style>
+      </p:sp>
+      <p:sp>
+        <p:nvSpPr>
+          <p:cNvPr id="62" name="Line 2"/>
+          <p:cNvSpPr/>
+          <p:nvPr/>
+        </p:nvSpPr>
+        <p:spPr>
+          <a:xfrm>
+            <a:off x="8942400" y="1821600"/>
+            <a:ext cx="1440000" cy="360"/>
+          </a:xfrm>
+          <a:prstGeom prst="line">
+            <a:avLst/>
+          </a:prstGeom>
+          <a:ln w="36000">
+            <a:solidFill>
+              <a:srgbClr val="eeeeee"/>
+            </a:solidFill>
+            <a:round/>
+          </a:ln>
+        </p:spPr>
+        <p:style>
+          <a:lnRef idx="0"/>
+          <a:fillRef idx="0"/>
+          <a:effectRef idx="0"/>
+          <a:fontRef idx="minor"/>
+        </p:style>
+      </p:sp>
+      <p:sp>
+        <p:nvSpPr>
+          <p:cNvPr id="63" name="CustomShape 3"/>
+          <p:cNvSpPr/>
+          <p:nvPr/>
+        </p:nvSpPr>
+        <p:spPr>
+          <a:xfrm>
+            <a:off x="9592920" y="1764720"/>
+            <a:ext cx="142920" cy="142920"/>
+          </a:xfrm>
+          <a:prstGeom prst="ellipse">
+            <a:avLst/>
+          </a:prstGeom>
+          <a:solidFill>
+            <a:srgbClr val="ff3333"/>
+          </a:solidFill>
+          <a:ln w="36000">
+            <a:solidFill>
+              <a:srgbClr val="b2b2b2"/>
+            </a:solidFill>
+            <a:round/>
+          </a:ln>
+        </p:spPr>
+        <p:style>
+          <a:lnRef idx="0"/>
+          <a:fillRef idx="0"/>
+          <a:effectRef idx="0"/>
+          <a:fontRef idx="minor"/>
+        </p:style>
+      </p:sp>
+      <p:sp>
+        <p:nvSpPr>
+          <p:cNvPr id="64" name="Line 4"/>
+          <p:cNvSpPr/>
+          <p:nvPr/>
+        </p:nvSpPr>
+        <p:spPr>
+          <a:xfrm>
+            <a:off x="10132920" y="2377080"/>
+            <a:ext cx="720000" cy="360"/>
+          </a:xfrm>
+          <a:prstGeom prst="line">
+            <a:avLst/>
+          </a:prstGeom>
+          <a:ln w="36000">
+            <a:solidFill>
+              <a:srgbClr val="eeeeee"/>
+            </a:solidFill>
+            <a:round/>
+          </a:ln>
+        </p:spPr>
+        <p:style>
+          <a:lnRef idx="0"/>
+          <a:fillRef idx="0"/>
+          <a:effectRef idx="0"/>
+          <a:fontRef idx="minor"/>
+        </p:style>
+      </p:sp>
+      <p:sp>
+        <p:nvSpPr>
+          <p:cNvPr id="65" name="Line 5"/>
+          <p:cNvSpPr/>
+          <p:nvPr/>
+        </p:nvSpPr>
+        <p:spPr>
+          <a:xfrm>
+            <a:off x="9160920" y="2881080"/>
+            <a:ext cx="720000" cy="360"/>
+          </a:xfrm>
+          <a:prstGeom prst="line">
+            <a:avLst/>
+          </a:prstGeom>
+          <a:ln w="36000">
+            <a:solidFill>
+              <a:srgbClr val="eeeeee"/>
+            </a:solidFill>
+            <a:round/>
+          </a:ln>
+        </p:spPr>
+        <p:style>
+          <a:lnRef idx="0"/>
+          <a:fillRef idx="0"/>
+          <a:effectRef idx="0"/>
+          <a:fontRef idx="minor"/>
+        </p:style>
+      </p:sp>
+      <p:sp>
+        <p:nvSpPr>
+          <p:cNvPr id="66" name="CustomShape 6"/>
+          <p:cNvSpPr/>
+          <p:nvPr/>
+        </p:nvSpPr>
+        <p:spPr>
+          <a:xfrm>
+            <a:off x="10456920" y="2305080"/>
+            <a:ext cx="142920" cy="142920"/>
+          </a:xfrm>
+          <a:prstGeom prst="ellipse">
+            <a:avLst/>
+          </a:prstGeom>
+          <a:solidFill>
+            <a:srgbClr val="b2b2b2"/>
+          </a:solidFill>
+          <a:ln w="36000">
+            <a:solidFill>
+              <a:srgbClr val="b2b2b2"/>
+            </a:solidFill>
+            <a:round/>
+          </a:ln>
+        </p:spPr>
+        <p:style>
+          <a:lnRef idx="0"/>
+          <a:fillRef idx="0"/>
+          <a:effectRef idx="0"/>
+          <a:fontRef idx="minor"/>
+        </p:style>
+      </p:sp>
+      <p:sp>
+        <p:nvSpPr>
+          <p:cNvPr id="67" name="CustomShape 7"/>
+          <p:cNvSpPr/>
+          <p:nvPr/>
+        </p:nvSpPr>
+        <p:spPr>
+          <a:xfrm>
+            <a:off x="9412920" y="2809440"/>
+            <a:ext cx="142920" cy="142920"/>
+          </a:xfrm>
+          <a:prstGeom prst="ellipse">
+            <a:avLst/>
+          </a:prstGeom>
+          <a:solidFill>
+            <a:srgbClr val="ff3333"/>
+          </a:solidFill>
+          <a:ln w="36000">
+            <a:solidFill>
+              <a:srgbClr val="b2b2b2"/>
+            </a:solidFill>
+            <a:round/>
+          </a:ln>
+        </p:spPr>
+        <p:style>
+          <a:lnRef idx="0"/>
+          <a:fillRef idx="0"/>
+          <a:effectRef idx="0"/>
+          <a:fontRef idx="minor"/>
+        </p:style>
+      </p:sp>
+      <p:sp>
+        <p:nvSpPr>
+          <p:cNvPr id="68" name="CustomShape 8"/>
+          <p:cNvSpPr/>
+          <p:nvPr/>
+        </p:nvSpPr>
+        <p:spPr>
+          <a:xfrm>
+            <a:off x="10456920" y="2305440"/>
+            <a:ext cx="142920" cy="142920"/>
+          </a:xfrm>
+          <a:prstGeom prst="ellipse">
+            <a:avLst/>
+          </a:prstGeom>
+          <a:solidFill>
+            <a:srgbClr val="ff3333"/>
+          </a:solidFill>
+          <a:ln w="36000">
+            <a:solidFill>
+              <a:srgbClr val="b2b2b2"/>
+            </a:solidFill>
+            <a:round/>
+          </a:ln>
+        </p:spPr>
+        <p:style>
+          <a:lnRef idx="0"/>
+          <a:fillRef idx="0"/>
+          <a:effectRef idx="0"/>
+          <a:fontRef idx="minor"/>
+        </p:style>
+      </p:sp>
+      <p:sp>
+        <p:nvSpPr>
+          <p:cNvPr id="69" name="CustomShape 9"/>
+          <p:cNvSpPr/>
+          <p:nvPr/>
+        </p:nvSpPr>
+        <p:spPr>
+          <a:xfrm rot="1800000">
+            <a:off x="2462040" y="1825920"/>
+            <a:ext cx="2720160" cy="2367720"/>
+          </a:xfrm>
+          <a:prstGeom prst="hexagon">
+            <a:avLst>
+              <a:gd name="adj" fmla="val 28372"/>
+              <a:gd name="vf" fmla="val 115470"/>
+            </a:avLst>
+          </a:prstGeom>
+          <a:solidFill>
+            <a:srgbClr val="ffffff"/>
+          </a:solidFill>
+          <a:ln w="69840">
+            <a:solidFill>
+              <a:srgbClr val="808080"/>
+            </a:solidFill>
+            <a:round/>
+          </a:ln>
+        </p:spPr>
+        <p:style>
+          <a:lnRef idx="2">
+            <a:schemeClr val="accent1">
+              <a:shade val="50000"/>
+            </a:schemeClr>
+          </a:lnRef>
+          <a:fillRef idx="1">
+            <a:schemeClr val="accent1"/>
+          </a:fillRef>
+          <a:effectRef idx="0">
+            <a:schemeClr val="accent1"/>
+          </a:effectRef>
+          <a:fontRef idx="minor"/>
+        </p:style>
+      </p:sp>
+      <p:sp>
+        <p:nvSpPr>
+          <p:cNvPr id="70" name="Line 10"/>
+          <p:cNvSpPr/>
+          <p:nvPr/>
+        </p:nvSpPr>
+        <p:spPr>
+          <a:xfrm>
+            <a:off x="2894760" y="2433600"/>
+            <a:ext cx="1440000" cy="360"/>
+          </a:xfrm>
+          <a:prstGeom prst="line">
+            <a:avLst/>
+          </a:prstGeom>
+          <a:ln w="36000">
+            <a:solidFill>
+              <a:srgbClr val="000000"/>
+            </a:solidFill>
+            <a:round/>
+          </a:ln>
+        </p:spPr>
+        <p:style>
+          <a:lnRef idx="0"/>
+          <a:fillRef idx="0"/>
+          <a:effectRef idx="0"/>
+          <a:fontRef idx="minor"/>
+        </p:style>
+      </p:sp>
+      <p:sp>
+        <p:nvSpPr>
+          <p:cNvPr id="71" name="CustomShape 11"/>
+          <p:cNvSpPr/>
+          <p:nvPr/>
+        </p:nvSpPr>
+        <p:spPr>
+          <a:xfrm>
+            <a:off x="3545280" y="2376720"/>
+            <a:ext cx="142920" cy="142920"/>
+          </a:xfrm>
+          <a:prstGeom prst="ellipse">
+            <a:avLst/>
+          </a:prstGeom>
+          <a:solidFill>
+            <a:srgbClr val="ffffff"/>
+          </a:solidFill>
+          <a:ln w="36000">
+            <a:solidFill>
+              <a:srgbClr val="000000"/>
+            </a:solidFill>
+            <a:round/>
+          </a:ln>
+        </p:spPr>
+        <p:style>
+          <a:lnRef idx="0"/>
+          <a:fillRef idx="0"/>
+          <a:effectRef idx="0"/>
+          <a:fontRef idx="minor"/>
+        </p:style>
+      </p:sp>
+      <p:sp>
+        <p:nvSpPr>
+          <p:cNvPr id="72" name="Line 12"/>
+          <p:cNvSpPr/>
+          <p:nvPr/>
+        </p:nvSpPr>
+        <p:spPr>
+          <a:xfrm>
+            <a:off x="4085280" y="2989080"/>
+            <a:ext cx="720000" cy="360"/>
+          </a:xfrm>
+          <a:prstGeom prst="line">
+            <a:avLst/>
+          </a:prstGeom>
+          <a:ln w="36000">
+            <a:solidFill>
+              <a:srgbClr val="ff3333"/>
+            </a:solidFill>
+            <a:round/>
+          </a:ln>
+        </p:spPr>
+        <p:style>
+          <a:lnRef idx="0"/>
+          <a:fillRef idx="0"/>
+          <a:effectRef idx="0"/>
+          <a:fontRef idx="minor"/>
+        </p:style>
+      </p:sp>
+      <p:sp>
+        <p:nvSpPr>
+          <p:cNvPr id="73" name="Line 13"/>
+          <p:cNvSpPr/>
+          <p:nvPr/>
+        </p:nvSpPr>
+        <p:spPr>
+          <a:xfrm>
+            <a:off x="3113280" y="3493080"/>
+            <a:ext cx="720000" cy="360"/>
+          </a:xfrm>
+          <a:prstGeom prst="line">
+            <a:avLst/>
+          </a:prstGeom>
+          <a:ln w="36000">
+            <a:solidFill>
+              <a:srgbClr val="9900ff"/>
+            </a:solidFill>
+            <a:round/>
+          </a:ln>
+        </p:spPr>
+        <p:style>
+          <a:lnRef idx="0"/>
+          <a:fillRef idx="0"/>
+          <a:effectRef idx="0"/>
+          <a:fontRef idx="minor"/>
+        </p:style>
+      </p:sp>
+      <p:sp>
+        <p:nvSpPr>
+          <p:cNvPr id="74" name="CustomShape 14"/>
+          <p:cNvSpPr/>
+          <p:nvPr/>
+        </p:nvSpPr>
+        <p:spPr>
+          <a:xfrm>
+            <a:off x="4409280" y="2917080"/>
+            <a:ext cx="142920" cy="142920"/>
+          </a:xfrm>
+          <a:prstGeom prst="ellipse">
+            <a:avLst/>
+          </a:prstGeom>
+          <a:solidFill>
+            <a:srgbClr val="ffffff"/>
+          </a:solidFill>
+          <a:ln w="36000">
+            <a:solidFill>
+              <a:srgbClr val="b2b2b2"/>
+            </a:solidFill>
+            <a:round/>
+          </a:ln>
+        </p:spPr>
+        <p:style>
+          <a:lnRef idx="0"/>
+          <a:fillRef idx="0"/>
+          <a:effectRef idx="0"/>
+          <a:fontRef idx="minor"/>
+        </p:style>
+      </p:sp>
+      <p:sp>
+        <p:nvSpPr>
+          <p:cNvPr id="75" name="CustomShape 15"/>
+          <p:cNvSpPr/>
+          <p:nvPr/>
+        </p:nvSpPr>
+        <p:spPr>
+          <a:xfrm>
+            <a:off x="3365280" y="3421440"/>
+            <a:ext cx="142920" cy="142920"/>
+          </a:xfrm>
+          <a:prstGeom prst="ellipse">
+            <a:avLst/>
+          </a:prstGeom>
+          <a:solidFill>
+            <a:srgbClr val="ffffff"/>
+          </a:solidFill>
+          <a:ln w="36000">
+            <a:solidFill>
+              <a:srgbClr val="9900ff"/>
+            </a:solidFill>
+            <a:round/>
+          </a:ln>
+        </p:spPr>
+        <p:style>
+          <a:lnRef idx="0"/>
+          <a:fillRef idx="0"/>
+          <a:effectRef idx="0"/>
+          <a:fontRef idx="minor"/>
+        </p:style>
+      </p:sp>
+      <p:sp>
+        <p:nvSpPr>
+          <p:cNvPr id="76" name="CustomShape 16"/>
+          <p:cNvSpPr/>
+          <p:nvPr/>
+        </p:nvSpPr>
+        <p:spPr>
+          <a:xfrm>
+            <a:off x="4409280" y="2917440"/>
+            <a:ext cx="142920" cy="142920"/>
+          </a:xfrm>
+          <a:prstGeom prst="ellipse">
+            <a:avLst/>
+          </a:prstGeom>
+          <a:solidFill>
+            <a:srgbClr val="ffffff"/>
+          </a:solidFill>
+          <a:ln w="36000">
+            <a:solidFill>
+              <a:srgbClr val="ff3333"/>
+            </a:solidFill>
+            <a:round/>
+          </a:ln>
+        </p:spPr>
+        <p:style>
+          <a:lnRef idx="0"/>
+          <a:fillRef idx="0"/>
+          <a:effectRef idx="0"/>
+          <a:fontRef idx="minor"/>
+        </p:style>
+      </p:sp>
+    </p:spTree>
+  </p:cSld>
+  <p:timing>
+    <p:tnLst>
+      <p:par>
+        <p:cTn id="3" dur="indefinite" restart="never" nodeType="tmRoot">
+          <p:childTnLst>
+            <p:seq>
+              <p:cTn id="4" dur="indefinite" nodeType="mainSeq"/>
               <p:prevCondLst>
                 <p:cond delay="0" evt="onPrev">
                   <p:tgtEl>
@@ -2677,31 +3129,31 @@
         <a:sysClr val="window" lastClr="FFFFFF"/>
       </a:lt1>
       <a:dk2>
-        <a:srgbClr val="1F497D"/>
+        <a:srgbClr val="1f497d"/>
       </a:dk2>
       <a:lt2>
-        <a:srgbClr val="EEECE1"/>
+        <a:srgbClr val="eeece1"/>
       </a:lt2>
       <a:accent1>
-        <a:srgbClr val="4F81BD"/>
+        <a:srgbClr val="4f81bd"/>
       </a:accent1>
       <a:accent2>
-        <a:srgbClr val="C0504D"/>
+        <a:srgbClr val="c0504d"/>
       </a:accent2>
       <a:accent3>
-        <a:srgbClr val="9BBB59"/>
+        <a:srgbClr val="9bbb59"/>
       </a:accent3>
       <a:accent4>
-        <a:srgbClr val="8064A2"/>
+        <a:srgbClr val="8064a2"/>
       </a:accent4>
       <a:accent5>
-        <a:srgbClr val="4BACC6"/>
+        <a:srgbClr val="4bacc6"/>
       </a:accent5>
       <a:accent6>
-        <a:srgbClr val="F79646"/>
+        <a:srgbClr val="f79646"/>
       </a:accent6>
       <a:hlink>
-        <a:srgbClr val="0000FF"/>
+        <a:srgbClr val="0000ff"/>
       </a:hlink>
       <a:folHlink>
         <a:srgbClr val="800080"/>
